--- a/Präsentation-REST-API.pptx
+++ b/Präsentation-REST-API.pptx
@@ -8828,7 +8828,7 @@
             </a:r>
             <a:r>
               <a:rPr lang="en-US" dirty="0"/>
-              <a:t> in RESTREST vs. SOAP</a:t>
+              <a:t> in REST</a:t>
             </a:r>
           </a:p>
           <a:p>
@@ -12925,15 +12925,6 @@
 </file>
 
 <file path=customXml/item1.xml><?xml version="1.0" encoding="utf-8"?>
-<?mso-contentType ?>
-<FormTemplates xmlns="http://schemas.microsoft.com/sharepoint/v3/contenttype/forms">
-  <Display>DocumentLibraryForm</Display>
-  <Edit>DocumentLibraryForm</Edit>
-  <New>DocumentLibraryForm</New>
-</FormTemplates>
-</file>
-
-<file path=customXml/item2.xml><?xml version="1.0" encoding="utf-8"?>
 <ct:contentTypeSchema xmlns:ct="http://schemas.microsoft.com/office/2006/metadata/contentType" xmlns:ma="http://schemas.microsoft.com/office/2006/metadata/properties/metaAttributes" ct:_="" ma:_="" ma:contentTypeName="Dokument" ma:contentTypeID="0x010100F78CF8302EFB5B4ABAF82183D8DF2E05" ma:contentTypeVersion="4" ma:contentTypeDescription="Ein neues Dokument erstellen." ma:contentTypeScope="" ma:versionID="d65cefc5262aa87446e98c5e594ce5ec">
   <xsd:schema xmlns:xsd="http://www.w3.org/2001/XMLSchema" xmlns:xs="http://www.w3.org/2001/XMLSchema" xmlns:p="http://schemas.microsoft.com/office/2006/metadata/properties" xmlns:ns2="89d83e3e-6c1f-47f0-9e50-3bc665413722" targetNamespace="http://schemas.microsoft.com/office/2006/metadata/properties" ma:root="true" ma:fieldsID="5d784b04e1a3663c49fc893791e5cebc" ns2:_="">
     <xsd:import namespace="89d83e3e-6c1f-47f0-9e50-3bc665413722"/>
@@ -13077,6 +13068,15 @@
 </ct:contentTypeSchema>
 </file>
 
+<file path=customXml/item2.xml><?xml version="1.0" encoding="utf-8"?>
+<?mso-contentType ?>
+<FormTemplates xmlns="http://schemas.microsoft.com/sharepoint/v3/contenttype/forms">
+  <Display>DocumentLibraryForm</Display>
+  <Edit>DocumentLibraryForm</Edit>
+  <New>DocumentLibraryForm</New>
+</FormTemplates>
+</file>
+
 <file path=customXml/item3.xml><?xml version="1.0" encoding="utf-8"?>
 <p:properties xmlns:p="http://schemas.microsoft.com/office/2006/metadata/properties" xmlns:xsi="http://www.w3.org/2001/XMLSchema-instance" xmlns:pc="http://schemas.microsoft.com/office/infopath/2007/PartnerControls">
   <documentManagement/>
@@ -13084,14 +13084,6 @@
 </file>
 
 <file path=customXml/itemProps1.xml><?xml version="1.0" encoding="utf-8"?>
-<ds:datastoreItem xmlns:ds="http://schemas.openxmlformats.org/officeDocument/2006/customXml" ds:itemID="{27C42F6A-13C6-4396-B6F6-6B1B46AD96AA}">
-  <ds:schemaRefs>
-    <ds:schemaRef ds:uri="http://schemas.microsoft.com/sharepoint/v3/contenttype/forms"/>
-  </ds:schemaRefs>
-</ds:datastoreItem>
-</file>
-
-<file path=customXml/itemProps2.xml><?xml version="1.0" encoding="utf-8"?>
 <ds:datastoreItem xmlns:ds="http://schemas.openxmlformats.org/officeDocument/2006/customXml" ds:itemID="{9F15C6FA-C103-4927-8CD3-9C2FC1D30269}">
   <ds:schemaRefs>
     <ds:schemaRef ds:uri="89d83e3e-6c1f-47f0-9e50-3bc665413722"/>
@@ -13105,6 +13097,14 @@
     <ds:schemaRef ds:uri="http://schemas.microsoft.com/office/infopath/2007/PartnerControls"/>
     <ds:schemaRef ds:uri="http://schemas.openxmlformats.org/package/2006/metadata/core-properties"/>
     <ds:schemaRef ds:uri="http://www.w3.org/2001/XMLSchema"/>
+  </ds:schemaRefs>
+</ds:datastoreItem>
+</file>
+
+<file path=customXml/itemProps2.xml><?xml version="1.0" encoding="utf-8"?>
+<ds:datastoreItem xmlns:ds="http://schemas.openxmlformats.org/officeDocument/2006/customXml" ds:itemID="{27C42F6A-13C6-4396-B6F6-6B1B46AD96AA}">
+  <ds:schemaRefs>
+    <ds:schemaRef ds:uri="http://schemas.microsoft.com/sharepoint/v3/contenttype/forms"/>
   </ds:schemaRefs>
 </ds:datastoreItem>
 </file>

--- a/Präsentation-REST-API.pptx
+++ b/Präsentation-REST-API.pptx
@@ -881,6 +881,2504 @@
     </a:lvl9pPr>
   </p:notesStyle>
 </p:notesMaster>
+</file>
+
+<file path=ppt/notesSlides/notesSlide1.xml><?xml version="1.0" encoding="utf-8"?>
+<p:notes xmlns:a="http://schemas.openxmlformats.org/drawingml/2006/main" xmlns:r="http://schemas.openxmlformats.org/officeDocument/2006/relationships" xmlns:p="http://schemas.openxmlformats.org/presentationml/2006/main">
+  <p:cSld>
+    <p:spTree>
+      <p:nvGrpSpPr>
+        <p:cNvPr id="1" name=""/>
+        <p:cNvGrpSpPr/>
+        <p:nvPr/>
+      </p:nvGrpSpPr>
+      <p:grpSpPr>
+        <a:xfrm>
+          <a:off x="0" y="0"/>
+          <a:ext cx="0" cy="0"/>
+          <a:chOff x="0" y="0"/>
+          <a:chExt cx="0" cy="0"/>
+        </a:xfrm>
+      </p:grpSpPr>
+      <p:sp>
+        <p:nvSpPr>
+          <p:cNvPr id="2" name="Slide Image Placeholder 1"/>
+          <p:cNvSpPr>
+            <a:spLocks noGrp="1" noRot="1" noChangeAspect="1"/>
+          </p:cNvSpPr>
+          <p:nvPr>
+            <p:ph type="sldImg"/>
+          </p:nvPr>
+        </p:nvSpPr>
+        <p:spPr/>
+      </p:sp>
+      <p:sp>
+        <p:nvSpPr>
+          <p:cNvPr id="3" name="Notes Placeholder 2"/>
+          <p:cNvSpPr>
+            <a:spLocks noGrp="1"/>
+          </p:cNvSpPr>
+          <p:nvPr>
+            <p:ph type="body" idx="1"/>
+          </p:nvPr>
+        </p:nvSpPr>
+        <p:spPr/>
+        <p:txBody>
+          <a:bodyPr/>
+          <a:lstStyle/>
+          <a:p>
+            <a:endParaRPr lang="de-AT" dirty="0"/>
+          </a:p>
+        </p:txBody>
+      </p:sp>
+      <p:sp>
+        <p:nvSpPr>
+          <p:cNvPr id="4" name="Header Placeholder 3"/>
+          <p:cNvSpPr>
+            <a:spLocks noGrp="1"/>
+          </p:cNvSpPr>
+          <p:nvPr>
+            <p:ph type="hdr" sz="quarter"/>
+          </p:nvPr>
+        </p:nvSpPr>
+        <p:spPr/>
+        <p:txBody>
+          <a:bodyPr/>
+          <a:lstStyle/>
+          <a:p>
+            <a:pPr>
+              <a:defRPr/>
+            </a:pPr>
+            <a:r>
+              <a:rPr lang="de-DE"/>
+              <a:t>Folienkopiervorlage WS 2010/11 / JG 2009 / 3. Semester</a:t>
+            </a:r>
+          </a:p>
+        </p:txBody>
+      </p:sp>
+      <p:sp>
+        <p:nvSpPr>
+          <p:cNvPr id="5" name="Date Placeholder 4"/>
+          <p:cNvSpPr>
+            <a:spLocks noGrp="1"/>
+          </p:cNvSpPr>
+          <p:nvPr>
+            <p:ph type="dt" idx="1"/>
+          </p:nvPr>
+        </p:nvSpPr>
+        <p:spPr/>
+        <p:txBody>
+          <a:bodyPr/>
+          <a:lstStyle/>
+          <a:p>
+            <a:pPr>
+              <a:defRPr/>
+            </a:pPr>
+            <a:r>
+              <a:rPr lang="de-DE"/>
+              <a:t>04-10-2010</a:t>
+            </a:r>
+          </a:p>
+        </p:txBody>
+      </p:sp>
+      <p:sp>
+        <p:nvSpPr>
+          <p:cNvPr id="6" name="Footer Placeholder 5"/>
+          <p:cNvSpPr>
+            <a:spLocks noGrp="1"/>
+          </p:cNvSpPr>
+          <p:nvPr>
+            <p:ph type="ftr" sz="quarter" idx="4"/>
+          </p:nvPr>
+        </p:nvSpPr>
+        <p:spPr/>
+        <p:txBody>
+          <a:bodyPr/>
+          <a:lstStyle/>
+          <a:p>
+            <a:pPr>
+              <a:defRPr/>
+            </a:pPr>
+            <a:r>
+              <a:rPr lang="de-DE"/>
+              <a:t>FH-Prof. Dipl.-Ing. Werner Fritz; Foliensatz Management von F&amp;E-Projekten - Motivation - Inhalte</a:t>
+            </a:r>
+          </a:p>
+        </p:txBody>
+      </p:sp>
+      <p:sp>
+        <p:nvSpPr>
+          <p:cNvPr id="7" name="Slide Number Placeholder 6"/>
+          <p:cNvSpPr>
+            <a:spLocks noGrp="1"/>
+          </p:cNvSpPr>
+          <p:nvPr>
+            <p:ph type="sldNum" sz="quarter" idx="5"/>
+          </p:nvPr>
+        </p:nvSpPr>
+        <p:spPr/>
+        <p:txBody>
+          <a:bodyPr/>
+          <a:lstStyle/>
+          <a:p>
+            <a:pPr>
+              <a:defRPr/>
+            </a:pPr>
+            <a:fld id="{312AB231-0CC3-4271-BA74-AEFB61475580}" type="slidenum">
+              <a:rPr lang="de-DE" smtClean="0"/>
+              <a:pPr>
+                <a:defRPr/>
+              </a:pPr>
+              <a:t>2</a:t>
+            </a:fld>
+            <a:endParaRPr lang="de-DE"/>
+          </a:p>
+        </p:txBody>
+      </p:sp>
+    </p:spTree>
+    <p:extLst>
+      <p:ext uri="{BB962C8B-B14F-4D97-AF65-F5344CB8AC3E}">
+        <p14:creationId xmlns:p14="http://schemas.microsoft.com/office/powerpoint/2010/main" val="3684031467"/>
+      </p:ext>
+    </p:extLst>
+  </p:cSld>
+  <p:clrMapOvr>
+    <a:masterClrMapping/>
+  </p:clrMapOvr>
+</p:notes>
+</file>
+
+<file path=ppt/notesSlides/notesSlide2.xml><?xml version="1.0" encoding="utf-8"?>
+<p:notes xmlns:a="http://schemas.openxmlformats.org/drawingml/2006/main" xmlns:r="http://schemas.openxmlformats.org/officeDocument/2006/relationships" xmlns:p="http://schemas.openxmlformats.org/presentationml/2006/main">
+  <p:cSld>
+    <p:spTree>
+      <p:nvGrpSpPr>
+        <p:cNvPr id="1" name=""/>
+        <p:cNvGrpSpPr/>
+        <p:nvPr/>
+      </p:nvGrpSpPr>
+      <p:grpSpPr>
+        <a:xfrm>
+          <a:off x="0" y="0"/>
+          <a:ext cx="0" cy="0"/>
+          <a:chOff x="0" y="0"/>
+          <a:chExt cx="0" cy="0"/>
+        </a:xfrm>
+      </p:grpSpPr>
+      <p:sp>
+        <p:nvSpPr>
+          <p:cNvPr id="2" name="Slide Image Placeholder 1"/>
+          <p:cNvSpPr>
+            <a:spLocks noGrp="1" noRot="1" noChangeAspect="1"/>
+          </p:cNvSpPr>
+          <p:nvPr>
+            <p:ph type="sldImg"/>
+          </p:nvPr>
+        </p:nvSpPr>
+        <p:spPr/>
+      </p:sp>
+      <p:sp>
+        <p:nvSpPr>
+          <p:cNvPr id="3" name="Notes Placeholder 2"/>
+          <p:cNvSpPr>
+            <a:spLocks noGrp="1"/>
+          </p:cNvSpPr>
+          <p:nvPr>
+            <p:ph type="body" idx="1"/>
+          </p:nvPr>
+        </p:nvSpPr>
+        <p:spPr/>
+        <p:txBody>
+          <a:bodyPr/>
+          <a:lstStyle/>
+          <a:p>
+            <a:pPr algn="l"/>
+            <a:r>
+              <a:rPr lang="en-US" b="1" i="0" u="none" strike="noStrike" dirty="0">
+                <a:solidFill>
+                  <a:srgbClr val="000000"/>
+                </a:solidFill>
+                <a:effectLst/>
+              </a:rPr>
+              <a:t>Definition:</a:t>
+            </a:r>
+            <a:r>
+              <a:rPr lang="en-US" b="0" i="0" u="none" strike="noStrike" dirty="0">
+                <a:solidFill>
+                  <a:srgbClr val="000000"/>
+                </a:solidFill>
+                <a:effectLst/>
+              </a:rPr>
+              <a:t> Eine API (Application Programming Interface) </a:t>
+            </a:r>
+            <a:r>
+              <a:rPr lang="en-US" b="0" i="0" u="none" strike="noStrike" dirty="0" err="1">
+                <a:solidFill>
+                  <a:srgbClr val="000000"/>
+                </a:solidFill>
+                <a:effectLst/>
+              </a:rPr>
+              <a:t>ist</a:t>
+            </a:r>
+            <a:r>
+              <a:rPr lang="en-US" b="0" i="0" u="none" strike="noStrike" dirty="0">
+                <a:solidFill>
+                  <a:srgbClr val="000000"/>
+                </a:solidFill>
+                <a:effectLst/>
+              </a:rPr>
+              <a:t> </a:t>
+            </a:r>
+            <a:r>
+              <a:rPr lang="en-US" b="0" i="0" u="none" strike="noStrike" dirty="0" err="1">
+                <a:solidFill>
+                  <a:srgbClr val="000000"/>
+                </a:solidFill>
+                <a:effectLst/>
+              </a:rPr>
+              <a:t>eine</a:t>
+            </a:r>
+            <a:r>
+              <a:rPr lang="en-US" b="0" i="0" u="none" strike="noStrike" dirty="0">
+                <a:solidFill>
+                  <a:srgbClr val="000000"/>
+                </a:solidFill>
+                <a:effectLst/>
+              </a:rPr>
+              <a:t> </a:t>
+            </a:r>
+            <a:r>
+              <a:rPr lang="en-US" b="0" i="0" u="none" strike="noStrike" dirty="0" err="1">
+                <a:solidFill>
+                  <a:srgbClr val="000000"/>
+                </a:solidFill>
+                <a:effectLst/>
+              </a:rPr>
+              <a:t>Schnittstelle</a:t>
+            </a:r>
+            <a:r>
+              <a:rPr lang="en-US" b="0" i="0" u="none" strike="noStrike" dirty="0">
+                <a:solidFill>
+                  <a:srgbClr val="000000"/>
+                </a:solidFill>
+                <a:effectLst/>
+              </a:rPr>
+              <a:t>, die es </a:t>
+            </a:r>
+            <a:r>
+              <a:rPr lang="en-US" b="0" i="0" u="none" strike="noStrike" dirty="0" err="1">
+                <a:solidFill>
+                  <a:srgbClr val="000000"/>
+                </a:solidFill>
+                <a:effectLst/>
+              </a:rPr>
+              <a:t>Softwareanwendungen</a:t>
+            </a:r>
+            <a:r>
+              <a:rPr lang="en-US" b="0" i="0" u="none" strike="noStrike" dirty="0">
+                <a:solidFill>
+                  <a:srgbClr val="000000"/>
+                </a:solidFill>
+                <a:effectLst/>
+              </a:rPr>
+              <a:t> </a:t>
+            </a:r>
+            <a:r>
+              <a:rPr lang="en-US" b="0" i="0" u="none" strike="noStrike" dirty="0" err="1">
+                <a:solidFill>
+                  <a:srgbClr val="000000"/>
+                </a:solidFill>
+                <a:effectLst/>
+              </a:rPr>
+              <a:t>ermöglicht</a:t>
+            </a:r>
+            <a:r>
+              <a:rPr lang="en-US" b="0" i="0" u="none" strike="noStrike" dirty="0">
+                <a:solidFill>
+                  <a:srgbClr val="000000"/>
+                </a:solidFill>
+                <a:effectLst/>
+              </a:rPr>
+              <a:t>, </a:t>
+            </a:r>
+            <a:r>
+              <a:rPr lang="en-US" b="0" i="0" u="none" strike="noStrike" dirty="0" err="1">
+                <a:solidFill>
+                  <a:srgbClr val="000000"/>
+                </a:solidFill>
+                <a:effectLst/>
+              </a:rPr>
+              <a:t>miteinander</a:t>
+            </a:r>
+            <a:r>
+              <a:rPr lang="en-US" b="0" i="0" u="none" strike="noStrike" dirty="0">
+                <a:solidFill>
+                  <a:srgbClr val="000000"/>
+                </a:solidFill>
+                <a:effectLst/>
+              </a:rPr>
+              <a:t> </a:t>
+            </a:r>
+            <a:r>
+              <a:rPr lang="en-US" b="0" i="0" u="none" strike="noStrike" dirty="0" err="1">
+                <a:solidFill>
+                  <a:srgbClr val="000000"/>
+                </a:solidFill>
+                <a:effectLst/>
+              </a:rPr>
+              <a:t>zu</a:t>
+            </a:r>
+            <a:r>
+              <a:rPr lang="en-US" b="0" i="0" u="none" strike="noStrike" dirty="0">
+                <a:solidFill>
+                  <a:srgbClr val="000000"/>
+                </a:solidFill>
+                <a:effectLst/>
+              </a:rPr>
+              <a:t> </a:t>
+            </a:r>
+            <a:r>
+              <a:rPr lang="en-US" b="0" i="0" u="none" strike="noStrike" dirty="0" err="1">
+                <a:solidFill>
+                  <a:srgbClr val="000000"/>
+                </a:solidFill>
+                <a:effectLst/>
+              </a:rPr>
+              <a:t>kommunizieren</a:t>
+            </a:r>
+            <a:r>
+              <a:rPr lang="en-US" b="0" i="0" u="none" strike="noStrike" dirty="0">
+                <a:solidFill>
+                  <a:srgbClr val="000000"/>
+                </a:solidFill>
+                <a:effectLst/>
+              </a:rPr>
+              <a:t>.</a:t>
+            </a:r>
+          </a:p>
+          <a:p>
+            <a:pPr algn="l">
+              <a:buFont typeface="Arial" panose="020B0604020202020204" pitchFamily="34" charset="0"/>
+              <a:buChar char="•"/>
+            </a:pPr>
+            <a:r>
+              <a:rPr lang="en-US" b="1" i="0" u="none" strike="noStrike" dirty="0" err="1">
+                <a:solidFill>
+                  <a:srgbClr val="000000"/>
+                </a:solidFill>
+                <a:effectLst/>
+              </a:rPr>
+              <a:t>Beispiel</a:t>
+            </a:r>
+            <a:r>
+              <a:rPr lang="en-US" b="1" i="0" u="none" strike="noStrike" dirty="0">
+                <a:solidFill>
+                  <a:srgbClr val="000000"/>
+                </a:solidFill>
+                <a:effectLst/>
+              </a:rPr>
+              <a:t>:</a:t>
+            </a:r>
+            <a:r>
+              <a:rPr lang="en-US" b="0" i="0" u="none" strike="noStrike" dirty="0">
+                <a:solidFill>
+                  <a:srgbClr val="000000"/>
+                </a:solidFill>
+                <a:effectLst/>
+              </a:rPr>
+              <a:t> Eine Wetter-App, die </a:t>
+            </a:r>
+            <a:r>
+              <a:rPr lang="en-US" b="0" i="0" u="none" strike="noStrike" dirty="0" err="1">
+                <a:solidFill>
+                  <a:srgbClr val="000000"/>
+                </a:solidFill>
+                <a:effectLst/>
+              </a:rPr>
+              <a:t>Daten</a:t>
+            </a:r>
+            <a:r>
+              <a:rPr lang="en-US" b="0" i="0" u="none" strike="noStrike" dirty="0">
+                <a:solidFill>
+                  <a:srgbClr val="000000"/>
+                </a:solidFill>
+                <a:effectLst/>
+              </a:rPr>
+              <a:t> von </a:t>
+            </a:r>
+            <a:r>
+              <a:rPr lang="en-US" b="0" i="0" u="none" strike="noStrike" dirty="0" err="1">
+                <a:solidFill>
+                  <a:srgbClr val="000000"/>
+                </a:solidFill>
+                <a:effectLst/>
+              </a:rPr>
+              <a:t>einem</a:t>
+            </a:r>
+            <a:r>
+              <a:rPr lang="en-US" b="0" i="0" u="none" strike="noStrike" dirty="0">
+                <a:solidFill>
+                  <a:srgbClr val="000000"/>
+                </a:solidFill>
+                <a:effectLst/>
+              </a:rPr>
+              <a:t> </a:t>
+            </a:r>
+            <a:r>
+              <a:rPr lang="en-US" b="0" i="0" u="none" strike="noStrike" dirty="0" err="1">
+                <a:solidFill>
+                  <a:srgbClr val="000000"/>
+                </a:solidFill>
+                <a:effectLst/>
+              </a:rPr>
+              <a:t>Wetterdienst</a:t>
+            </a:r>
+            <a:r>
+              <a:rPr lang="en-US" b="0" i="0" u="none" strike="noStrike" dirty="0">
+                <a:solidFill>
+                  <a:srgbClr val="000000"/>
+                </a:solidFill>
+                <a:effectLst/>
+              </a:rPr>
+              <a:t> </a:t>
+            </a:r>
+            <a:r>
+              <a:rPr lang="en-US" b="0" i="0" u="none" strike="noStrike" dirty="0" err="1">
+                <a:solidFill>
+                  <a:srgbClr val="000000"/>
+                </a:solidFill>
+                <a:effectLst/>
+              </a:rPr>
+              <a:t>abruft</a:t>
+            </a:r>
+            <a:r>
+              <a:rPr lang="en-US" b="0" i="0" u="none" strike="noStrike" dirty="0">
+                <a:solidFill>
+                  <a:srgbClr val="000000"/>
+                </a:solidFill>
+                <a:effectLst/>
+              </a:rPr>
+              <a:t>.</a:t>
+            </a:r>
+          </a:p>
+          <a:p>
+            <a:pPr algn="l">
+              <a:buFont typeface="Arial" panose="020B0604020202020204" pitchFamily="34" charset="0"/>
+              <a:buChar char="•"/>
+            </a:pPr>
+            <a:r>
+              <a:rPr lang="en-US" b="1" i="0" u="none" strike="noStrike" dirty="0">
+                <a:solidFill>
+                  <a:srgbClr val="000000"/>
+                </a:solidFill>
+                <a:effectLst/>
+              </a:rPr>
+              <a:t>Rolle von APIs:</a:t>
+            </a:r>
+            <a:r>
+              <a:rPr lang="en-US" b="0" i="0" u="none" strike="noStrike" dirty="0">
+                <a:solidFill>
+                  <a:srgbClr val="000000"/>
+                </a:solidFill>
+                <a:effectLst/>
+              </a:rPr>
+              <a:t> </a:t>
+            </a:r>
+            <a:r>
+              <a:rPr lang="en-US" b="0" i="0" u="none" strike="noStrike" dirty="0" err="1">
+                <a:solidFill>
+                  <a:srgbClr val="000000"/>
+                </a:solidFill>
+                <a:effectLst/>
+              </a:rPr>
+              <a:t>Ermöglichen</a:t>
+            </a:r>
+            <a:r>
+              <a:rPr lang="en-US" b="0" i="0" u="none" strike="noStrike" dirty="0">
+                <a:solidFill>
+                  <a:srgbClr val="000000"/>
+                </a:solidFill>
+                <a:effectLst/>
+              </a:rPr>
+              <a:t> die Integration und </a:t>
+            </a:r>
+            <a:r>
+              <a:rPr lang="en-US" b="0" i="0" u="none" strike="noStrike" dirty="0" err="1">
+                <a:solidFill>
+                  <a:srgbClr val="000000"/>
+                </a:solidFill>
+                <a:effectLst/>
+              </a:rPr>
+              <a:t>Interoperabilität</a:t>
+            </a:r>
+            <a:r>
+              <a:rPr lang="en-US" b="0" i="0" u="none" strike="noStrike" dirty="0">
+                <a:solidFill>
+                  <a:srgbClr val="000000"/>
+                </a:solidFill>
+                <a:effectLst/>
+              </a:rPr>
+              <a:t> </a:t>
+            </a:r>
+            <a:r>
+              <a:rPr lang="en-US" b="0" i="0" u="none" strike="noStrike" dirty="0" err="1">
+                <a:solidFill>
+                  <a:srgbClr val="000000"/>
+                </a:solidFill>
+                <a:effectLst/>
+              </a:rPr>
+              <a:t>zwischen</a:t>
+            </a:r>
+            <a:r>
+              <a:rPr lang="en-US" b="0" i="0" u="none" strike="noStrike" dirty="0">
+                <a:solidFill>
+                  <a:srgbClr val="000000"/>
+                </a:solidFill>
+                <a:effectLst/>
+              </a:rPr>
+              <a:t> </a:t>
+            </a:r>
+            <a:r>
+              <a:rPr lang="en-US" b="0" i="0" u="none" strike="noStrike" dirty="0" err="1">
+                <a:solidFill>
+                  <a:srgbClr val="000000"/>
+                </a:solidFill>
+                <a:effectLst/>
+              </a:rPr>
+              <a:t>verschiedenen</a:t>
+            </a:r>
+            <a:r>
+              <a:rPr lang="en-US" b="0" i="0" u="none" strike="noStrike" dirty="0">
+                <a:solidFill>
+                  <a:srgbClr val="000000"/>
+                </a:solidFill>
+                <a:effectLst/>
+              </a:rPr>
+              <a:t> </a:t>
+            </a:r>
+            <a:r>
+              <a:rPr lang="en-US" b="0" i="0" u="none" strike="noStrike" dirty="0" err="1">
+                <a:solidFill>
+                  <a:srgbClr val="000000"/>
+                </a:solidFill>
+                <a:effectLst/>
+              </a:rPr>
+              <a:t>Systemen</a:t>
+            </a:r>
+            <a:r>
+              <a:rPr lang="en-US" b="0" i="0" u="none" strike="noStrike" dirty="0">
+                <a:solidFill>
+                  <a:srgbClr val="000000"/>
+                </a:solidFill>
+                <a:effectLst/>
+              </a:rPr>
+              <a:t> und </a:t>
+            </a:r>
+            <a:r>
+              <a:rPr lang="en-US" b="0" i="0" u="none" strike="noStrike" dirty="0" err="1">
+                <a:solidFill>
+                  <a:srgbClr val="000000"/>
+                </a:solidFill>
+                <a:effectLst/>
+              </a:rPr>
+              <a:t>Diensten</a:t>
+            </a:r>
+            <a:r>
+              <a:rPr lang="en-US" b="0" i="0" u="none" strike="noStrike" dirty="0">
+                <a:solidFill>
+                  <a:srgbClr val="000000"/>
+                </a:solidFill>
+                <a:effectLst/>
+              </a:rPr>
+              <a:t>.</a:t>
+            </a:r>
+          </a:p>
+          <a:p>
+            <a:endParaRPr lang="de-AT" dirty="0"/>
+          </a:p>
+        </p:txBody>
+      </p:sp>
+      <p:sp>
+        <p:nvSpPr>
+          <p:cNvPr id="4" name="Header Placeholder 3"/>
+          <p:cNvSpPr>
+            <a:spLocks noGrp="1"/>
+          </p:cNvSpPr>
+          <p:nvPr>
+            <p:ph type="hdr" sz="quarter"/>
+          </p:nvPr>
+        </p:nvSpPr>
+        <p:spPr/>
+        <p:txBody>
+          <a:bodyPr/>
+          <a:lstStyle/>
+          <a:p>
+            <a:pPr>
+              <a:defRPr/>
+            </a:pPr>
+            <a:r>
+              <a:rPr lang="de-DE"/>
+              <a:t>Folienkopiervorlage WS 2010/11 / JG 2009 / 3. Semester</a:t>
+            </a:r>
+          </a:p>
+        </p:txBody>
+      </p:sp>
+      <p:sp>
+        <p:nvSpPr>
+          <p:cNvPr id="5" name="Date Placeholder 4"/>
+          <p:cNvSpPr>
+            <a:spLocks noGrp="1"/>
+          </p:cNvSpPr>
+          <p:nvPr>
+            <p:ph type="dt" idx="1"/>
+          </p:nvPr>
+        </p:nvSpPr>
+        <p:spPr/>
+        <p:txBody>
+          <a:bodyPr/>
+          <a:lstStyle/>
+          <a:p>
+            <a:pPr>
+              <a:defRPr/>
+            </a:pPr>
+            <a:r>
+              <a:rPr lang="de-DE"/>
+              <a:t>04-10-2010</a:t>
+            </a:r>
+          </a:p>
+        </p:txBody>
+      </p:sp>
+      <p:sp>
+        <p:nvSpPr>
+          <p:cNvPr id="6" name="Footer Placeholder 5"/>
+          <p:cNvSpPr>
+            <a:spLocks noGrp="1"/>
+          </p:cNvSpPr>
+          <p:nvPr>
+            <p:ph type="ftr" sz="quarter" idx="4"/>
+          </p:nvPr>
+        </p:nvSpPr>
+        <p:spPr/>
+        <p:txBody>
+          <a:bodyPr/>
+          <a:lstStyle/>
+          <a:p>
+            <a:pPr>
+              <a:defRPr/>
+            </a:pPr>
+            <a:r>
+              <a:rPr lang="de-DE"/>
+              <a:t>FH-Prof. Dipl.-Ing. Werner Fritz; Foliensatz Management von F&amp;E-Projekten - Motivation - Inhalte</a:t>
+            </a:r>
+          </a:p>
+        </p:txBody>
+      </p:sp>
+      <p:sp>
+        <p:nvSpPr>
+          <p:cNvPr id="7" name="Slide Number Placeholder 6"/>
+          <p:cNvSpPr>
+            <a:spLocks noGrp="1"/>
+          </p:cNvSpPr>
+          <p:nvPr>
+            <p:ph type="sldNum" sz="quarter" idx="5"/>
+          </p:nvPr>
+        </p:nvSpPr>
+        <p:spPr/>
+        <p:txBody>
+          <a:bodyPr/>
+          <a:lstStyle/>
+          <a:p>
+            <a:pPr>
+              <a:defRPr/>
+            </a:pPr>
+            <a:fld id="{312AB231-0CC3-4271-BA74-AEFB61475580}" type="slidenum">
+              <a:rPr lang="de-DE" smtClean="0"/>
+              <a:pPr>
+                <a:defRPr/>
+              </a:pPr>
+              <a:t>3</a:t>
+            </a:fld>
+            <a:endParaRPr lang="de-DE"/>
+          </a:p>
+        </p:txBody>
+      </p:sp>
+    </p:spTree>
+    <p:extLst>
+      <p:ext uri="{BB962C8B-B14F-4D97-AF65-F5344CB8AC3E}">
+        <p14:creationId xmlns:p14="http://schemas.microsoft.com/office/powerpoint/2010/main" val="542095079"/>
+      </p:ext>
+    </p:extLst>
+  </p:cSld>
+  <p:clrMapOvr>
+    <a:masterClrMapping/>
+  </p:clrMapOvr>
+</p:notes>
+</file>
+
+<file path=ppt/notesSlides/notesSlide3.xml><?xml version="1.0" encoding="utf-8"?>
+<p:notes xmlns:a="http://schemas.openxmlformats.org/drawingml/2006/main" xmlns:r="http://schemas.openxmlformats.org/officeDocument/2006/relationships" xmlns:p="http://schemas.openxmlformats.org/presentationml/2006/main">
+  <p:cSld>
+    <p:spTree>
+      <p:nvGrpSpPr>
+        <p:cNvPr id="1" name=""/>
+        <p:cNvGrpSpPr/>
+        <p:nvPr/>
+      </p:nvGrpSpPr>
+      <p:grpSpPr>
+        <a:xfrm>
+          <a:off x="0" y="0"/>
+          <a:ext cx="0" cy="0"/>
+          <a:chOff x="0" y="0"/>
+          <a:chExt cx="0" cy="0"/>
+        </a:xfrm>
+      </p:grpSpPr>
+      <p:sp>
+        <p:nvSpPr>
+          <p:cNvPr id="2" name="Slide Image Placeholder 1"/>
+          <p:cNvSpPr>
+            <a:spLocks noGrp="1" noRot="1" noChangeAspect="1"/>
+          </p:cNvSpPr>
+          <p:nvPr>
+            <p:ph type="sldImg"/>
+          </p:nvPr>
+        </p:nvSpPr>
+        <p:spPr/>
+      </p:sp>
+      <p:sp>
+        <p:nvSpPr>
+          <p:cNvPr id="3" name="Notes Placeholder 2"/>
+          <p:cNvSpPr>
+            <a:spLocks noGrp="1"/>
+          </p:cNvSpPr>
+          <p:nvPr>
+            <p:ph type="body" idx="1"/>
+          </p:nvPr>
+        </p:nvSpPr>
+        <p:spPr/>
+        <p:txBody>
+          <a:bodyPr/>
+          <a:lstStyle/>
+          <a:p>
+            <a:pPr>
+              <a:buFont typeface="Arial" panose="020B0604020202020204" pitchFamily="34" charset="0"/>
+              <a:buChar char="•"/>
+            </a:pPr>
+            <a:r>
+              <a:rPr lang="en-US" b="1" dirty="0"/>
+              <a:t>Definition:</a:t>
+            </a:r>
+            <a:r>
+              <a:rPr lang="en-US" dirty="0"/>
+              <a:t> REST (Representational State Transfer) </a:t>
+            </a:r>
+            <a:r>
+              <a:rPr lang="en-US" dirty="0" err="1"/>
+              <a:t>ist</a:t>
+            </a:r>
+            <a:r>
+              <a:rPr lang="en-US" dirty="0"/>
+              <a:t> </a:t>
+            </a:r>
+            <a:r>
+              <a:rPr lang="en-US" dirty="0" err="1"/>
+              <a:t>ein</a:t>
+            </a:r>
+            <a:r>
+              <a:rPr lang="en-US" dirty="0"/>
+              <a:t> </a:t>
+            </a:r>
+            <a:r>
+              <a:rPr lang="en-US" dirty="0" err="1"/>
+              <a:t>Architekturstil</a:t>
+            </a:r>
+            <a:r>
+              <a:rPr lang="en-US" dirty="0"/>
+              <a:t> für </a:t>
+            </a:r>
+            <a:r>
+              <a:rPr lang="en-US" dirty="0" err="1"/>
+              <a:t>verteilte</a:t>
+            </a:r>
+            <a:r>
+              <a:rPr lang="en-US" dirty="0"/>
+              <a:t> </a:t>
+            </a:r>
+            <a:r>
+              <a:rPr lang="en-US" dirty="0" err="1"/>
+              <a:t>Systeme</a:t>
+            </a:r>
+            <a:r>
+              <a:rPr lang="en-US" dirty="0"/>
+              <a:t>, der auf den </a:t>
+            </a:r>
+            <a:r>
+              <a:rPr lang="en-US" dirty="0" err="1"/>
+              <a:t>Prinzipien</a:t>
+            </a:r>
+            <a:r>
+              <a:rPr lang="en-US" dirty="0"/>
+              <a:t> des Webs </a:t>
+            </a:r>
+            <a:r>
+              <a:rPr lang="en-US" dirty="0" err="1"/>
+              <a:t>basiert</a:t>
+            </a:r>
+            <a:r>
+              <a:rPr lang="en-US" dirty="0"/>
+              <a:t>.</a:t>
+            </a:r>
+          </a:p>
+          <a:p>
+            <a:pPr>
+              <a:buFont typeface="Arial" panose="020B0604020202020204" pitchFamily="34" charset="0"/>
+              <a:buChar char="•"/>
+            </a:pPr>
+            <a:r>
+              <a:rPr lang="en-US" b="1" dirty="0" err="1"/>
+              <a:t>Eigenschaften</a:t>
+            </a:r>
+            <a:r>
+              <a:rPr lang="en-US" b="1" dirty="0"/>
+              <a:t>: </a:t>
+            </a:r>
+          </a:p>
+          <a:p>
+            <a:pPr lvl="1">
+              <a:buFont typeface="Arial" panose="020B0604020202020204" pitchFamily="34" charset="0"/>
+              <a:buChar char="•"/>
+            </a:pPr>
+            <a:r>
+              <a:rPr lang="en-US" dirty="0" err="1"/>
+              <a:t>Zustandslosigkeit</a:t>
+            </a:r>
+            <a:r>
+              <a:rPr lang="en-US" dirty="0"/>
+              <a:t>: </a:t>
+            </a:r>
+            <a:r>
+              <a:rPr lang="en-US" dirty="0" err="1"/>
+              <a:t>Jede</a:t>
+            </a:r>
+            <a:r>
+              <a:rPr lang="en-US" dirty="0"/>
+              <a:t> </a:t>
+            </a:r>
+            <a:r>
+              <a:rPr lang="en-US" dirty="0" err="1"/>
+              <a:t>Anfrage</a:t>
+            </a:r>
+            <a:r>
+              <a:rPr lang="en-US" dirty="0"/>
+              <a:t> </a:t>
+            </a:r>
+            <a:r>
+              <a:rPr lang="en-US" dirty="0" err="1"/>
+              <a:t>enthält</a:t>
+            </a:r>
+            <a:r>
+              <a:rPr lang="en-US" dirty="0"/>
+              <a:t> alle </a:t>
+            </a:r>
+            <a:r>
+              <a:rPr lang="en-US" dirty="0" err="1"/>
+              <a:t>notwendigen</a:t>
+            </a:r>
+            <a:r>
+              <a:rPr lang="en-US" dirty="0"/>
+              <a:t> </a:t>
+            </a:r>
+            <a:r>
+              <a:rPr lang="en-US" dirty="0" err="1"/>
+              <a:t>Informationen</a:t>
+            </a:r>
+            <a:r>
+              <a:rPr lang="en-US" dirty="0"/>
+              <a:t>.</a:t>
+            </a:r>
+          </a:p>
+          <a:p>
+            <a:pPr lvl="1">
+              <a:buFont typeface="Arial" panose="020B0604020202020204" pitchFamily="34" charset="0"/>
+              <a:buChar char="•"/>
+            </a:pPr>
+            <a:r>
+              <a:rPr lang="en-US" dirty="0"/>
+              <a:t>Client-Server-</a:t>
+            </a:r>
+            <a:r>
+              <a:rPr lang="en-US" dirty="0" err="1"/>
+              <a:t>Architektur</a:t>
+            </a:r>
+            <a:r>
+              <a:rPr lang="en-US" dirty="0"/>
+              <a:t>: </a:t>
+            </a:r>
+            <a:r>
+              <a:rPr lang="en-US" dirty="0" err="1"/>
+              <a:t>Trennung</a:t>
+            </a:r>
+            <a:r>
+              <a:rPr lang="en-US" dirty="0"/>
+              <a:t> von Client und Server.</a:t>
+            </a:r>
+          </a:p>
+          <a:p>
+            <a:pPr lvl="1">
+              <a:buFont typeface="Arial" panose="020B0604020202020204" pitchFamily="34" charset="0"/>
+              <a:buChar char="•"/>
+            </a:pPr>
+            <a:r>
+              <a:rPr lang="en-US" dirty="0" err="1"/>
+              <a:t>Einheitliche</a:t>
+            </a:r>
+            <a:r>
+              <a:rPr lang="en-US" dirty="0"/>
+              <a:t> </a:t>
+            </a:r>
+            <a:r>
+              <a:rPr lang="en-US" dirty="0" err="1"/>
+              <a:t>Schnittstelle</a:t>
+            </a:r>
+            <a:r>
+              <a:rPr lang="en-US" dirty="0"/>
+              <a:t>: </a:t>
+            </a:r>
+            <a:r>
+              <a:rPr lang="en-US" dirty="0" err="1"/>
+              <a:t>Konsistente</a:t>
+            </a:r>
+            <a:r>
+              <a:rPr lang="en-US" dirty="0"/>
+              <a:t> </a:t>
+            </a:r>
+            <a:r>
+              <a:rPr lang="en-US" dirty="0" err="1"/>
+              <a:t>Nutzung</a:t>
+            </a:r>
+            <a:r>
+              <a:rPr lang="en-US" dirty="0"/>
+              <a:t> von URIs und HTTP-</a:t>
+            </a:r>
+            <a:r>
+              <a:rPr lang="en-US" dirty="0" err="1"/>
+              <a:t>Methoden</a:t>
+            </a:r>
+            <a:r>
+              <a:rPr lang="en-US" dirty="0"/>
+              <a:t>.</a:t>
+            </a:r>
+          </a:p>
+          <a:p>
+            <a:endParaRPr lang="de-AT" dirty="0"/>
+          </a:p>
+        </p:txBody>
+      </p:sp>
+      <p:sp>
+        <p:nvSpPr>
+          <p:cNvPr id="4" name="Header Placeholder 3"/>
+          <p:cNvSpPr>
+            <a:spLocks noGrp="1"/>
+          </p:cNvSpPr>
+          <p:nvPr>
+            <p:ph type="hdr" sz="quarter"/>
+          </p:nvPr>
+        </p:nvSpPr>
+        <p:spPr/>
+        <p:txBody>
+          <a:bodyPr/>
+          <a:lstStyle/>
+          <a:p>
+            <a:pPr>
+              <a:defRPr/>
+            </a:pPr>
+            <a:r>
+              <a:rPr lang="de-DE"/>
+              <a:t>Folienkopiervorlage WS 2010/11 / JG 2009 / 3. Semester</a:t>
+            </a:r>
+          </a:p>
+        </p:txBody>
+      </p:sp>
+      <p:sp>
+        <p:nvSpPr>
+          <p:cNvPr id="5" name="Date Placeholder 4"/>
+          <p:cNvSpPr>
+            <a:spLocks noGrp="1"/>
+          </p:cNvSpPr>
+          <p:nvPr>
+            <p:ph type="dt" idx="1"/>
+          </p:nvPr>
+        </p:nvSpPr>
+        <p:spPr/>
+        <p:txBody>
+          <a:bodyPr/>
+          <a:lstStyle/>
+          <a:p>
+            <a:pPr>
+              <a:defRPr/>
+            </a:pPr>
+            <a:r>
+              <a:rPr lang="de-DE"/>
+              <a:t>04-10-2010</a:t>
+            </a:r>
+          </a:p>
+        </p:txBody>
+      </p:sp>
+      <p:sp>
+        <p:nvSpPr>
+          <p:cNvPr id="6" name="Footer Placeholder 5"/>
+          <p:cNvSpPr>
+            <a:spLocks noGrp="1"/>
+          </p:cNvSpPr>
+          <p:nvPr>
+            <p:ph type="ftr" sz="quarter" idx="4"/>
+          </p:nvPr>
+        </p:nvSpPr>
+        <p:spPr/>
+        <p:txBody>
+          <a:bodyPr/>
+          <a:lstStyle/>
+          <a:p>
+            <a:pPr>
+              <a:defRPr/>
+            </a:pPr>
+            <a:r>
+              <a:rPr lang="de-DE"/>
+              <a:t>FH-Prof. Dipl.-Ing. Werner Fritz; Foliensatz Management von F&amp;E-Projekten - Motivation - Inhalte</a:t>
+            </a:r>
+          </a:p>
+        </p:txBody>
+      </p:sp>
+      <p:sp>
+        <p:nvSpPr>
+          <p:cNvPr id="7" name="Slide Number Placeholder 6"/>
+          <p:cNvSpPr>
+            <a:spLocks noGrp="1"/>
+          </p:cNvSpPr>
+          <p:nvPr>
+            <p:ph type="sldNum" sz="quarter" idx="5"/>
+          </p:nvPr>
+        </p:nvSpPr>
+        <p:spPr/>
+        <p:txBody>
+          <a:bodyPr/>
+          <a:lstStyle/>
+          <a:p>
+            <a:pPr>
+              <a:defRPr/>
+            </a:pPr>
+            <a:fld id="{312AB231-0CC3-4271-BA74-AEFB61475580}" type="slidenum">
+              <a:rPr lang="de-DE" smtClean="0"/>
+              <a:pPr>
+                <a:defRPr/>
+              </a:pPr>
+              <a:t>4</a:t>
+            </a:fld>
+            <a:endParaRPr lang="de-DE"/>
+          </a:p>
+        </p:txBody>
+      </p:sp>
+    </p:spTree>
+    <p:extLst>
+      <p:ext uri="{BB962C8B-B14F-4D97-AF65-F5344CB8AC3E}">
+        <p14:creationId xmlns:p14="http://schemas.microsoft.com/office/powerpoint/2010/main" val="742887307"/>
+      </p:ext>
+    </p:extLst>
+  </p:cSld>
+  <p:clrMapOvr>
+    <a:masterClrMapping/>
+  </p:clrMapOvr>
+</p:notes>
+</file>
+
+<file path=ppt/notesSlides/notesSlide4.xml><?xml version="1.0" encoding="utf-8"?>
+<p:notes xmlns:a="http://schemas.openxmlformats.org/drawingml/2006/main" xmlns:r="http://schemas.openxmlformats.org/officeDocument/2006/relationships" xmlns:p="http://schemas.openxmlformats.org/presentationml/2006/main">
+  <p:cSld>
+    <p:spTree>
+      <p:nvGrpSpPr>
+        <p:cNvPr id="1" name=""/>
+        <p:cNvGrpSpPr/>
+        <p:nvPr/>
+      </p:nvGrpSpPr>
+      <p:grpSpPr>
+        <a:xfrm>
+          <a:off x="0" y="0"/>
+          <a:ext cx="0" cy="0"/>
+          <a:chOff x="0" y="0"/>
+          <a:chExt cx="0" cy="0"/>
+        </a:xfrm>
+      </p:grpSpPr>
+      <p:sp>
+        <p:nvSpPr>
+          <p:cNvPr id="2" name="Slide Image Placeholder 1"/>
+          <p:cNvSpPr>
+            <a:spLocks noGrp="1" noRot="1" noChangeAspect="1"/>
+          </p:cNvSpPr>
+          <p:nvPr>
+            <p:ph type="sldImg"/>
+          </p:nvPr>
+        </p:nvSpPr>
+        <p:spPr/>
+      </p:sp>
+      <p:sp>
+        <p:nvSpPr>
+          <p:cNvPr id="3" name="Notes Placeholder 2"/>
+          <p:cNvSpPr>
+            <a:spLocks noGrp="1"/>
+          </p:cNvSpPr>
+          <p:nvPr>
+            <p:ph type="body" idx="1"/>
+          </p:nvPr>
+        </p:nvSpPr>
+        <p:spPr/>
+        <p:txBody>
+          <a:bodyPr/>
+          <a:lstStyle/>
+          <a:p>
+            <a:endParaRPr lang="de-AT" dirty="0"/>
+          </a:p>
+        </p:txBody>
+      </p:sp>
+      <p:sp>
+        <p:nvSpPr>
+          <p:cNvPr id="4" name="Header Placeholder 3"/>
+          <p:cNvSpPr>
+            <a:spLocks noGrp="1"/>
+          </p:cNvSpPr>
+          <p:nvPr>
+            <p:ph type="hdr" sz="quarter"/>
+          </p:nvPr>
+        </p:nvSpPr>
+        <p:spPr/>
+        <p:txBody>
+          <a:bodyPr/>
+          <a:lstStyle/>
+          <a:p>
+            <a:pPr>
+              <a:defRPr/>
+            </a:pPr>
+            <a:r>
+              <a:rPr lang="de-DE"/>
+              <a:t>Folienkopiervorlage WS 2010/11 / JG 2009 / 3. Semester</a:t>
+            </a:r>
+          </a:p>
+        </p:txBody>
+      </p:sp>
+      <p:sp>
+        <p:nvSpPr>
+          <p:cNvPr id="5" name="Date Placeholder 4"/>
+          <p:cNvSpPr>
+            <a:spLocks noGrp="1"/>
+          </p:cNvSpPr>
+          <p:nvPr>
+            <p:ph type="dt" idx="1"/>
+          </p:nvPr>
+        </p:nvSpPr>
+        <p:spPr/>
+        <p:txBody>
+          <a:bodyPr/>
+          <a:lstStyle/>
+          <a:p>
+            <a:pPr>
+              <a:defRPr/>
+            </a:pPr>
+            <a:r>
+              <a:rPr lang="de-DE"/>
+              <a:t>04-10-2010</a:t>
+            </a:r>
+          </a:p>
+        </p:txBody>
+      </p:sp>
+      <p:sp>
+        <p:nvSpPr>
+          <p:cNvPr id="6" name="Footer Placeholder 5"/>
+          <p:cNvSpPr>
+            <a:spLocks noGrp="1"/>
+          </p:cNvSpPr>
+          <p:nvPr>
+            <p:ph type="ftr" sz="quarter" idx="4"/>
+          </p:nvPr>
+        </p:nvSpPr>
+        <p:spPr/>
+        <p:txBody>
+          <a:bodyPr/>
+          <a:lstStyle/>
+          <a:p>
+            <a:pPr>
+              <a:defRPr/>
+            </a:pPr>
+            <a:r>
+              <a:rPr lang="de-DE"/>
+              <a:t>FH-Prof. Dipl.-Ing. Werner Fritz; Foliensatz Management von F&amp;E-Projekten - Motivation - Inhalte</a:t>
+            </a:r>
+          </a:p>
+        </p:txBody>
+      </p:sp>
+      <p:sp>
+        <p:nvSpPr>
+          <p:cNvPr id="7" name="Slide Number Placeholder 6"/>
+          <p:cNvSpPr>
+            <a:spLocks noGrp="1"/>
+          </p:cNvSpPr>
+          <p:nvPr>
+            <p:ph type="sldNum" sz="quarter" idx="5"/>
+          </p:nvPr>
+        </p:nvSpPr>
+        <p:spPr/>
+        <p:txBody>
+          <a:bodyPr/>
+          <a:lstStyle/>
+          <a:p>
+            <a:pPr>
+              <a:defRPr/>
+            </a:pPr>
+            <a:fld id="{312AB231-0CC3-4271-BA74-AEFB61475580}" type="slidenum">
+              <a:rPr lang="de-DE" smtClean="0"/>
+              <a:pPr>
+                <a:defRPr/>
+              </a:pPr>
+              <a:t>5</a:t>
+            </a:fld>
+            <a:endParaRPr lang="de-DE"/>
+          </a:p>
+        </p:txBody>
+      </p:sp>
+    </p:spTree>
+    <p:extLst>
+      <p:ext uri="{BB962C8B-B14F-4D97-AF65-F5344CB8AC3E}">
+        <p14:creationId xmlns:p14="http://schemas.microsoft.com/office/powerpoint/2010/main" val="2954290876"/>
+      </p:ext>
+    </p:extLst>
+  </p:cSld>
+  <p:clrMapOvr>
+    <a:masterClrMapping/>
+  </p:clrMapOvr>
+</p:notes>
+</file>
+
+<file path=ppt/notesSlides/notesSlide5.xml><?xml version="1.0" encoding="utf-8"?>
+<p:notes xmlns:a="http://schemas.openxmlformats.org/drawingml/2006/main" xmlns:r="http://schemas.openxmlformats.org/officeDocument/2006/relationships" xmlns:p="http://schemas.openxmlformats.org/presentationml/2006/main">
+  <p:cSld>
+    <p:spTree>
+      <p:nvGrpSpPr>
+        <p:cNvPr id="1" name=""/>
+        <p:cNvGrpSpPr/>
+        <p:nvPr/>
+      </p:nvGrpSpPr>
+      <p:grpSpPr>
+        <a:xfrm>
+          <a:off x="0" y="0"/>
+          <a:ext cx="0" cy="0"/>
+          <a:chOff x="0" y="0"/>
+          <a:chExt cx="0" cy="0"/>
+        </a:xfrm>
+      </p:grpSpPr>
+      <p:sp>
+        <p:nvSpPr>
+          <p:cNvPr id="2" name="Slide Image Placeholder 1"/>
+          <p:cNvSpPr>
+            <a:spLocks noGrp="1" noRot="1" noChangeAspect="1"/>
+          </p:cNvSpPr>
+          <p:nvPr>
+            <p:ph type="sldImg"/>
+          </p:nvPr>
+        </p:nvSpPr>
+        <p:spPr/>
+      </p:sp>
+      <p:sp>
+        <p:nvSpPr>
+          <p:cNvPr id="3" name="Notes Placeholder 2"/>
+          <p:cNvSpPr>
+            <a:spLocks noGrp="1"/>
+          </p:cNvSpPr>
+          <p:nvPr>
+            <p:ph type="body" idx="1"/>
+          </p:nvPr>
+        </p:nvSpPr>
+        <p:spPr/>
+        <p:txBody>
+          <a:bodyPr/>
+          <a:lstStyle/>
+          <a:p>
+            <a:r>
+              <a:rPr lang="en-US" b="1" dirty="0" err="1"/>
+              <a:t>Zustandslosigkeit</a:t>
+            </a:r>
+            <a:r>
+              <a:rPr lang="en-US" b="1" dirty="0"/>
+              <a:t>:</a:t>
+            </a:r>
+            <a:r>
+              <a:rPr lang="en-US" dirty="0"/>
+              <a:t> Server </a:t>
+            </a:r>
+            <a:r>
+              <a:rPr lang="en-US" dirty="0" err="1"/>
+              <a:t>speichert</a:t>
+            </a:r>
+            <a:r>
+              <a:rPr lang="en-US" dirty="0"/>
+              <a:t> </a:t>
+            </a:r>
+            <a:r>
+              <a:rPr lang="en-US" dirty="0" err="1"/>
+              <a:t>keinen</a:t>
+            </a:r>
+            <a:r>
+              <a:rPr lang="en-US" dirty="0"/>
+              <a:t> Client-</a:t>
+            </a:r>
+            <a:r>
+              <a:rPr lang="en-US" dirty="0" err="1"/>
+              <a:t>Zustand</a:t>
+            </a:r>
+            <a:r>
+              <a:rPr lang="en-US" dirty="0"/>
+              <a:t> </a:t>
+            </a:r>
+            <a:r>
+              <a:rPr lang="en-US" dirty="0" err="1"/>
+              <a:t>zwischen</a:t>
+            </a:r>
+            <a:r>
+              <a:rPr lang="en-US" dirty="0"/>
+              <a:t> </a:t>
+            </a:r>
+            <a:r>
+              <a:rPr lang="en-US" dirty="0" err="1"/>
+              <a:t>Anfragen</a:t>
+            </a:r>
+            <a:r>
+              <a:rPr lang="en-US" dirty="0"/>
+              <a:t>.</a:t>
+            </a:r>
+          </a:p>
+          <a:p>
+            <a:r>
+              <a:rPr lang="en-US" b="1" dirty="0" err="1"/>
+              <a:t>Einheitliche</a:t>
+            </a:r>
+            <a:r>
+              <a:rPr lang="en-US" b="1" dirty="0"/>
+              <a:t> </a:t>
+            </a:r>
+            <a:r>
+              <a:rPr lang="en-US" b="1" dirty="0" err="1"/>
+              <a:t>Schnittstelle</a:t>
+            </a:r>
+            <a:r>
+              <a:rPr lang="en-US" b="1" dirty="0"/>
+              <a:t>:</a:t>
+            </a:r>
+            <a:r>
+              <a:rPr lang="en-US" dirty="0"/>
+              <a:t> </a:t>
+            </a:r>
+            <a:r>
+              <a:rPr lang="en-US" dirty="0" err="1"/>
+              <a:t>Konsistente</a:t>
+            </a:r>
+            <a:r>
+              <a:rPr lang="en-US" dirty="0"/>
+              <a:t> </a:t>
+            </a:r>
+            <a:r>
+              <a:rPr lang="en-US" dirty="0" err="1"/>
+              <a:t>Nutzung</a:t>
+            </a:r>
+            <a:r>
+              <a:rPr lang="en-US" dirty="0"/>
+              <a:t> von URIs und HTTP-</a:t>
+            </a:r>
+            <a:r>
+              <a:rPr lang="en-US" dirty="0" err="1"/>
+              <a:t>Methoden</a:t>
+            </a:r>
+            <a:r>
+              <a:rPr lang="en-US" dirty="0"/>
+              <a:t>.</a:t>
+            </a:r>
+          </a:p>
+          <a:p>
+            <a:r>
+              <a:rPr lang="en-US" b="1" dirty="0" err="1"/>
+              <a:t>Cachebarkeit</a:t>
+            </a:r>
+            <a:r>
+              <a:rPr lang="en-US" b="1" dirty="0"/>
+              <a:t>:</a:t>
+            </a:r>
+            <a:r>
+              <a:rPr lang="en-US" dirty="0"/>
+              <a:t> </a:t>
+            </a:r>
+            <a:r>
+              <a:rPr lang="en-US" dirty="0" err="1"/>
+              <a:t>Antworten</a:t>
+            </a:r>
+            <a:r>
+              <a:rPr lang="en-US" dirty="0"/>
+              <a:t> </a:t>
+            </a:r>
+            <a:r>
+              <a:rPr lang="en-US" dirty="0" err="1"/>
+              <a:t>können</a:t>
+            </a:r>
+            <a:r>
+              <a:rPr lang="en-US" dirty="0"/>
+              <a:t> </a:t>
+            </a:r>
+            <a:r>
+              <a:rPr lang="en-US" dirty="0" err="1"/>
+              <a:t>vom</a:t>
+            </a:r>
+            <a:r>
+              <a:rPr lang="en-US" dirty="0"/>
+              <a:t> Client </a:t>
+            </a:r>
+            <a:r>
+              <a:rPr lang="en-US" dirty="0" err="1"/>
+              <a:t>zwischengespeichert</a:t>
+            </a:r>
+            <a:r>
+              <a:rPr lang="en-US" dirty="0"/>
+              <a:t> </a:t>
+            </a:r>
+            <a:r>
+              <a:rPr lang="en-US" dirty="0" err="1"/>
+              <a:t>werden</a:t>
+            </a:r>
+            <a:r>
+              <a:rPr lang="en-US" dirty="0"/>
+              <a:t>.</a:t>
+            </a:r>
+          </a:p>
+          <a:p>
+            <a:r>
+              <a:rPr lang="en-US" b="1" dirty="0" err="1"/>
+              <a:t>Mehrschichtige</a:t>
+            </a:r>
+            <a:r>
+              <a:rPr lang="en-US" b="1" dirty="0"/>
+              <a:t> </a:t>
+            </a:r>
+            <a:r>
+              <a:rPr lang="en-US" b="1" dirty="0" err="1"/>
+              <a:t>Architektur</a:t>
+            </a:r>
+            <a:r>
+              <a:rPr lang="en-US" b="1" dirty="0"/>
+              <a:t>:</a:t>
+            </a:r>
+            <a:r>
+              <a:rPr lang="en-US" dirty="0"/>
+              <a:t> </a:t>
+            </a:r>
+            <a:r>
+              <a:rPr lang="en-US" dirty="0" err="1"/>
+              <a:t>Unterstützung</a:t>
+            </a:r>
+            <a:r>
+              <a:rPr lang="en-US" dirty="0"/>
+              <a:t> von </a:t>
+            </a:r>
+            <a:r>
+              <a:rPr lang="en-US" dirty="0" err="1"/>
+              <a:t>Skalierbarkeit</a:t>
+            </a:r>
+            <a:r>
+              <a:rPr lang="en-US" dirty="0"/>
+              <a:t> und </a:t>
+            </a:r>
+            <a:r>
+              <a:rPr lang="en-US" dirty="0" err="1"/>
+              <a:t>Flexibilität</a:t>
+            </a:r>
+            <a:r>
+              <a:rPr lang="en-US" dirty="0"/>
+              <a:t>.</a:t>
+            </a:r>
+          </a:p>
+          <a:p>
+            <a:r>
+              <a:rPr lang="en-US" b="1" dirty="0"/>
+              <a:t>Code-on-Demand (optional):</a:t>
+            </a:r>
+            <a:r>
+              <a:rPr lang="en-US" dirty="0"/>
+              <a:t> Server </a:t>
+            </a:r>
+            <a:r>
+              <a:rPr lang="en-US" dirty="0" err="1"/>
+              <a:t>kann</a:t>
+            </a:r>
+            <a:r>
+              <a:rPr lang="en-US" dirty="0"/>
+              <a:t> </a:t>
+            </a:r>
+            <a:r>
+              <a:rPr lang="en-US" dirty="0" err="1"/>
+              <a:t>ausführbaren</a:t>
+            </a:r>
+            <a:r>
+              <a:rPr lang="en-US" dirty="0"/>
+              <a:t> Code an den Client </a:t>
+            </a:r>
+            <a:r>
+              <a:rPr lang="en-US" dirty="0" err="1"/>
+              <a:t>senden</a:t>
+            </a:r>
+            <a:r>
+              <a:rPr lang="en-US" dirty="0"/>
+              <a:t>.</a:t>
+            </a:r>
+            <a:endParaRPr lang="de-AT" dirty="0"/>
+          </a:p>
+          <a:p>
+            <a:endParaRPr lang="de-AT" dirty="0"/>
+          </a:p>
+        </p:txBody>
+      </p:sp>
+      <p:sp>
+        <p:nvSpPr>
+          <p:cNvPr id="4" name="Header Placeholder 3"/>
+          <p:cNvSpPr>
+            <a:spLocks noGrp="1"/>
+          </p:cNvSpPr>
+          <p:nvPr>
+            <p:ph type="hdr" sz="quarter"/>
+          </p:nvPr>
+        </p:nvSpPr>
+        <p:spPr/>
+        <p:txBody>
+          <a:bodyPr/>
+          <a:lstStyle/>
+          <a:p>
+            <a:pPr>
+              <a:defRPr/>
+            </a:pPr>
+            <a:r>
+              <a:rPr lang="de-DE"/>
+              <a:t>Folienkopiervorlage WS 2010/11 / JG 2009 / 3. Semester</a:t>
+            </a:r>
+          </a:p>
+        </p:txBody>
+      </p:sp>
+      <p:sp>
+        <p:nvSpPr>
+          <p:cNvPr id="5" name="Date Placeholder 4"/>
+          <p:cNvSpPr>
+            <a:spLocks noGrp="1"/>
+          </p:cNvSpPr>
+          <p:nvPr>
+            <p:ph type="dt" idx="1"/>
+          </p:nvPr>
+        </p:nvSpPr>
+        <p:spPr/>
+        <p:txBody>
+          <a:bodyPr/>
+          <a:lstStyle/>
+          <a:p>
+            <a:pPr>
+              <a:defRPr/>
+            </a:pPr>
+            <a:r>
+              <a:rPr lang="de-DE"/>
+              <a:t>04-10-2010</a:t>
+            </a:r>
+          </a:p>
+        </p:txBody>
+      </p:sp>
+      <p:sp>
+        <p:nvSpPr>
+          <p:cNvPr id="6" name="Footer Placeholder 5"/>
+          <p:cNvSpPr>
+            <a:spLocks noGrp="1"/>
+          </p:cNvSpPr>
+          <p:nvPr>
+            <p:ph type="ftr" sz="quarter" idx="4"/>
+          </p:nvPr>
+        </p:nvSpPr>
+        <p:spPr/>
+        <p:txBody>
+          <a:bodyPr/>
+          <a:lstStyle/>
+          <a:p>
+            <a:pPr>
+              <a:defRPr/>
+            </a:pPr>
+            <a:r>
+              <a:rPr lang="de-DE"/>
+              <a:t>FH-Prof. Dipl.-Ing. Werner Fritz; Foliensatz Management von F&amp;E-Projekten - Motivation - Inhalte</a:t>
+            </a:r>
+          </a:p>
+        </p:txBody>
+      </p:sp>
+      <p:sp>
+        <p:nvSpPr>
+          <p:cNvPr id="7" name="Slide Number Placeholder 6"/>
+          <p:cNvSpPr>
+            <a:spLocks noGrp="1"/>
+          </p:cNvSpPr>
+          <p:nvPr>
+            <p:ph type="sldNum" sz="quarter" idx="5"/>
+          </p:nvPr>
+        </p:nvSpPr>
+        <p:spPr/>
+        <p:txBody>
+          <a:bodyPr/>
+          <a:lstStyle/>
+          <a:p>
+            <a:pPr>
+              <a:defRPr/>
+            </a:pPr>
+            <a:fld id="{312AB231-0CC3-4271-BA74-AEFB61475580}" type="slidenum">
+              <a:rPr lang="de-DE" smtClean="0"/>
+              <a:pPr>
+                <a:defRPr/>
+              </a:pPr>
+              <a:t>6</a:t>
+            </a:fld>
+            <a:endParaRPr lang="de-DE"/>
+          </a:p>
+        </p:txBody>
+      </p:sp>
+    </p:spTree>
+    <p:extLst>
+      <p:ext uri="{BB962C8B-B14F-4D97-AF65-F5344CB8AC3E}">
+        <p14:creationId xmlns:p14="http://schemas.microsoft.com/office/powerpoint/2010/main" val="2535165211"/>
+      </p:ext>
+    </p:extLst>
+  </p:cSld>
+  <p:clrMapOvr>
+    <a:masterClrMapping/>
+  </p:clrMapOvr>
+</p:notes>
+</file>
+
+<file path=ppt/notesSlides/notesSlide6.xml><?xml version="1.0" encoding="utf-8"?>
+<p:notes xmlns:a="http://schemas.openxmlformats.org/drawingml/2006/main" xmlns:r="http://schemas.openxmlformats.org/officeDocument/2006/relationships" xmlns:p="http://schemas.openxmlformats.org/presentationml/2006/main">
+  <p:cSld>
+    <p:spTree>
+      <p:nvGrpSpPr>
+        <p:cNvPr id="1" name=""/>
+        <p:cNvGrpSpPr/>
+        <p:nvPr/>
+      </p:nvGrpSpPr>
+      <p:grpSpPr>
+        <a:xfrm>
+          <a:off x="0" y="0"/>
+          <a:ext cx="0" cy="0"/>
+          <a:chOff x="0" y="0"/>
+          <a:chExt cx="0" cy="0"/>
+        </a:xfrm>
+      </p:grpSpPr>
+      <p:sp>
+        <p:nvSpPr>
+          <p:cNvPr id="2" name="Slide Image Placeholder 1"/>
+          <p:cNvSpPr>
+            <a:spLocks noGrp="1" noRot="1" noChangeAspect="1"/>
+          </p:cNvSpPr>
+          <p:nvPr>
+            <p:ph type="sldImg"/>
+          </p:nvPr>
+        </p:nvSpPr>
+        <p:spPr/>
+      </p:sp>
+      <p:sp>
+        <p:nvSpPr>
+          <p:cNvPr id="3" name="Notes Placeholder 2"/>
+          <p:cNvSpPr>
+            <a:spLocks noGrp="1"/>
+          </p:cNvSpPr>
+          <p:nvPr>
+            <p:ph type="body" idx="1"/>
+          </p:nvPr>
+        </p:nvSpPr>
+        <p:spPr/>
+        <p:txBody>
+          <a:bodyPr/>
+          <a:lstStyle/>
+          <a:p>
+            <a:r>
+              <a:rPr lang="en-US" b="1" dirty="0" err="1"/>
+              <a:t>Konsistente</a:t>
+            </a:r>
+            <a:r>
+              <a:rPr lang="en-US" b="1" dirty="0"/>
+              <a:t> </a:t>
+            </a:r>
+            <a:r>
+              <a:rPr lang="en-US" b="1" dirty="0" err="1"/>
+              <a:t>Namensgebung</a:t>
+            </a:r>
+            <a:r>
+              <a:rPr lang="en-US" b="1" dirty="0"/>
+              <a:t>:</a:t>
+            </a:r>
+            <a:r>
+              <a:rPr lang="en-US" dirty="0"/>
+              <a:t> </a:t>
+            </a:r>
+            <a:r>
+              <a:rPr lang="en-US" dirty="0" err="1"/>
+              <a:t>Verwenden</a:t>
+            </a:r>
+            <a:r>
+              <a:rPr lang="en-US" dirty="0"/>
+              <a:t> Sie </a:t>
+            </a:r>
+            <a:r>
+              <a:rPr lang="en-US" dirty="0" err="1"/>
+              <a:t>klare</a:t>
+            </a:r>
+            <a:r>
+              <a:rPr lang="en-US" dirty="0"/>
+              <a:t> und </a:t>
+            </a:r>
+            <a:r>
+              <a:rPr lang="en-US" dirty="0" err="1"/>
+              <a:t>konsistente</a:t>
+            </a:r>
+            <a:r>
+              <a:rPr lang="en-US" dirty="0"/>
+              <a:t> URI-</a:t>
+            </a:r>
+            <a:r>
+              <a:rPr lang="en-US" dirty="0" err="1"/>
+              <a:t>Strukturen</a:t>
+            </a:r>
+            <a:r>
+              <a:rPr lang="en-US" dirty="0"/>
+              <a:t>.</a:t>
+            </a:r>
+          </a:p>
+          <a:p>
+            <a:r>
+              <a:rPr lang="en-US" b="1" dirty="0" err="1"/>
+              <a:t>Versionierung</a:t>
+            </a:r>
+            <a:r>
+              <a:rPr lang="en-US" b="1" dirty="0"/>
+              <a:t>:</a:t>
+            </a:r>
+            <a:r>
+              <a:rPr lang="en-US" dirty="0"/>
+              <a:t> </a:t>
+            </a:r>
+            <a:r>
+              <a:rPr lang="en-US" dirty="0" err="1"/>
+              <a:t>Implementieren</a:t>
+            </a:r>
+            <a:r>
+              <a:rPr lang="en-US" dirty="0"/>
+              <a:t> Sie API-</a:t>
+            </a:r>
+            <a:r>
+              <a:rPr lang="en-US" dirty="0" err="1"/>
+              <a:t>Versionen</a:t>
+            </a:r>
+            <a:r>
+              <a:rPr lang="en-US" dirty="0"/>
+              <a:t>, um </a:t>
+            </a:r>
+            <a:r>
+              <a:rPr lang="en-US" dirty="0" err="1"/>
+              <a:t>Änderungen</a:t>
+            </a:r>
+            <a:r>
+              <a:rPr lang="en-US" dirty="0"/>
+              <a:t> </a:t>
+            </a:r>
+            <a:r>
+              <a:rPr lang="en-US" dirty="0" err="1"/>
+              <a:t>zu</a:t>
+            </a:r>
+            <a:r>
+              <a:rPr lang="en-US" dirty="0"/>
+              <a:t> </a:t>
+            </a:r>
+            <a:r>
+              <a:rPr lang="en-US" dirty="0" err="1"/>
+              <a:t>verwalten</a:t>
+            </a:r>
+            <a:r>
+              <a:rPr lang="en-US" dirty="0"/>
+              <a:t>.</a:t>
+            </a:r>
+          </a:p>
+          <a:p>
+            <a:r>
+              <a:rPr lang="en-US" b="1" dirty="0" err="1"/>
+              <a:t>Fehlerbehandlung</a:t>
+            </a:r>
+            <a:r>
+              <a:rPr lang="en-US" b="1" dirty="0"/>
+              <a:t>:</a:t>
+            </a:r>
+            <a:r>
+              <a:rPr lang="en-US" dirty="0"/>
+              <a:t> </a:t>
+            </a:r>
+            <a:r>
+              <a:rPr lang="en-US" dirty="0" err="1"/>
+              <a:t>Nutzen</a:t>
+            </a:r>
+            <a:r>
+              <a:rPr lang="en-US" dirty="0"/>
+              <a:t> Sie </a:t>
+            </a:r>
+            <a:r>
+              <a:rPr lang="en-US" dirty="0" err="1"/>
+              <a:t>aussagekräftige</a:t>
+            </a:r>
+            <a:r>
+              <a:rPr lang="en-US" dirty="0"/>
+              <a:t> HTTP-</a:t>
+            </a:r>
+            <a:r>
+              <a:rPr lang="en-US" dirty="0" err="1"/>
+              <a:t>Statuscodes</a:t>
+            </a:r>
+            <a:r>
+              <a:rPr lang="en-US" dirty="0"/>
+              <a:t> und </a:t>
+            </a:r>
+            <a:r>
+              <a:rPr lang="en-US" dirty="0" err="1"/>
+              <a:t>Fehlermeldungen</a:t>
+            </a:r>
+            <a:r>
+              <a:rPr lang="en-US" dirty="0"/>
+              <a:t>.</a:t>
+            </a:r>
+          </a:p>
+          <a:p>
+            <a:r>
+              <a:rPr lang="en-US" b="1" dirty="0"/>
+              <a:t>Sicherheit:</a:t>
+            </a:r>
+            <a:r>
+              <a:rPr lang="en-US" dirty="0"/>
+              <a:t> </a:t>
+            </a:r>
+            <a:r>
+              <a:rPr lang="en-US" dirty="0" err="1"/>
+              <a:t>Implementieren</a:t>
+            </a:r>
+            <a:r>
+              <a:rPr lang="en-US" dirty="0"/>
+              <a:t> Sie </a:t>
+            </a:r>
+            <a:r>
+              <a:rPr lang="en-US" dirty="0" err="1"/>
+              <a:t>Authentifizierung</a:t>
+            </a:r>
+            <a:r>
+              <a:rPr lang="en-US" dirty="0"/>
+              <a:t> und </a:t>
+            </a:r>
+            <a:r>
+              <a:rPr lang="en-US" dirty="0" err="1"/>
+              <a:t>Autorisierung</a:t>
+            </a:r>
+            <a:r>
+              <a:rPr lang="en-US" dirty="0"/>
+              <a:t>.</a:t>
+            </a:r>
+          </a:p>
+          <a:p>
+            <a:r>
+              <a:rPr lang="en-US" b="1" dirty="0" err="1"/>
+              <a:t>Dokumentation</a:t>
+            </a:r>
+            <a:r>
+              <a:rPr lang="en-US" b="1" dirty="0"/>
+              <a:t>:</a:t>
+            </a:r>
+            <a:r>
+              <a:rPr lang="en-US" dirty="0"/>
+              <a:t> </a:t>
+            </a:r>
+            <a:r>
+              <a:rPr lang="en-US" dirty="0" err="1"/>
+              <a:t>Stellen</a:t>
+            </a:r>
+            <a:r>
+              <a:rPr lang="en-US" dirty="0"/>
+              <a:t> Sie </a:t>
+            </a:r>
+            <a:r>
+              <a:rPr lang="en-US" dirty="0" err="1"/>
+              <a:t>eine</a:t>
+            </a:r>
+            <a:r>
+              <a:rPr lang="en-US" dirty="0"/>
+              <a:t> </a:t>
+            </a:r>
+            <a:r>
+              <a:rPr lang="en-US" dirty="0" err="1"/>
+              <a:t>umfassende</a:t>
+            </a:r>
+            <a:r>
+              <a:rPr lang="en-US" dirty="0"/>
+              <a:t> API-</a:t>
+            </a:r>
+            <a:r>
+              <a:rPr lang="en-US" dirty="0" err="1"/>
+              <a:t>Dokumentation</a:t>
+            </a:r>
+            <a:r>
+              <a:rPr lang="en-US" dirty="0"/>
+              <a:t> </a:t>
+            </a:r>
+            <a:r>
+              <a:rPr lang="en-US" dirty="0" err="1"/>
+              <a:t>bereit</a:t>
+            </a:r>
+            <a:r>
+              <a:rPr lang="en-US" dirty="0"/>
+              <a:t>.</a:t>
+            </a:r>
+            <a:endParaRPr lang="de-AT" dirty="0"/>
+          </a:p>
+          <a:p>
+            <a:endParaRPr lang="de-AT" dirty="0"/>
+          </a:p>
+        </p:txBody>
+      </p:sp>
+      <p:sp>
+        <p:nvSpPr>
+          <p:cNvPr id="4" name="Header Placeholder 3"/>
+          <p:cNvSpPr>
+            <a:spLocks noGrp="1"/>
+          </p:cNvSpPr>
+          <p:nvPr>
+            <p:ph type="hdr" sz="quarter"/>
+          </p:nvPr>
+        </p:nvSpPr>
+        <p:spPr/>
+        <p:txBody>
+          <a:bodyPr/>
+          <a:lstStyle/>
+          <a:p>
+            <a:pPr>
+              <a:defRPr/>
+            </a:pPr>
+            <a:r>
+              <a:rPr lang="de-DE"/>
+              <a:t>Folienkopiervorlage WS 2010/11 / JG 2009 / 3. Semester</a:t>
+            </a:r>
+          </a:p>
+        </p:txBody>
+      </p:sp>
+      <p:sp>
+        <p:nvSpPr>
+          <p:cNvPr id="5" name="Date Placeholder 4"/>
+          <p:cNvSpPr>
+            <a:spLocks noGrp="1"/>
+          </p:cNvSpPr>
+          <p:nvPr>
+            <p:ph type="dt" idx="1"/>
+          </p:nvPr>
+        </p:nvSpPr>
+        <p:spPr/>
+        <p:txBody>
+          <a:bodyPr/>
+          <a:lstStyle/>
+          <a:p>
+            <a:pPr>
+              <a:defRPr/>
+            </a:pPr>
+            <a:r>
+              <a:rPr lang="de-DE"/>
+              <a:t>04-10-2010</a:t>
+            </a:r>
+          </a:p>
+        </p:txBody>
+      </p:sp>
+      <p:sp>
+        <p:nvSpPr>
+          <p:cNvPr id="6" name="Footer Placeholder 5"/>
+          <p:cNvSpPr>
+            <a:spLocks noGrp="1"/>
+          </p:cNvSpPr>
+          <p:nvPr>
+            <p:ph type="ftr" sz="quarter" idx="4"/>
+          </p:nvPr>
+        </p:nvSpPr>
+        <p:spPr/>
+        <p:txBody>
+          <a:bodyPr/>
+          <a:lstStyle/>
+          <a:p>
+            <a:pPr>
+              <a:defRPr/>
+            </a:pPr>
+            <a:r>
+              <a:rPr lang="de-DE"/>
+              <a:t>FH-Prof. Dipl.-Ing. Werner Fritz; Foliensatz Management von F&amp;E-Projekten - Motivation - Inhalte</a:t>
+            </a:r>
+          </a:p>
+        </p:txBody>
+      </p:sp>
+      <p:sp>
+        <p:nvSpPr>
+          <p:cNvPr id="7" name="Slide Number Placeholder 6"/>
+          <p:cNvSpPr>
+            <a:spLocks noGrp="1"/>
+          </p:cNvSpPr>
+          <p:nvPr>
+            <p:ph type="sldNum" sz="quarter" idx="5"/>
+          </p:nvPr>
+        </p:nvSpPr>
+        <p:spPr/>
+        <p:txBody>
+          <a:bodyPr/>
+          <a:lstStyle/>
+          <a:p>
+            <a:pPr>
+              <a:defRPr/>
+            </a:pPr>
+            <a:fld id="{312AB231-0CC3-4271-BA74-AEFB61475580}" type="slidenum">
+              <a:rPr lang="de-DE" smtClean="0"/>
+              <a:pPr>
+                <a:defRPr/>
+              </a:pPr>
+              <a:t>9</a:t>
+            </a:fld>
+            <a:endParaRPr lang="de-DE"/>
+          </a:p>
+        </p:txBody>
+      </p:sp>
+    </p:spTree>
+    <p:extLst>
+      <p:ext uri="{BB962C8B-B14F-4D97-AF65-F5344CB8AC3E}">
+        <p14:creationId xmlns:p14="http://schemas.microsoft.com/office/powerpoint/2010/main" val="2941433563"/>
+      </p:ext>
+    </p:extLst>
+  </p:cSld>
+  <p:clrMapOvr>
+    <a:masterClrMapping/>
+  </p:clrMapOvr>
+</p:notes>
+</file>
+
+<file path=ppt/notesSlides/notesSlide7.xml><?xml version="1.0" encoding="utf-8"?>
+<p:notes xmlns:a="http://schemas.openxmlformats.org/drawingml/2006/main" xmlns:r="http://schemas.openxmlformats.org/officeDocument/2006/relationships" xmlns:p="http://schemas.openxmlformats.org/presentationml/2006/main">
+  <p:cSld>
+    <p:spTree>
+      <p:nvGrpSpPr>
+        <p:cNvPr id="1" name=""/>
+        <p:cNvGrpSpPr/>
+        <p:nvPr/>
+      </p:nvGrpSpPr>
+      <p:grpSpPr>
+        <a:xfrm>
+          <a:off x="0" y="0"/>
+          <a:ext cx="0" cy="0"/>
+          <a:chOff x="0" y="0"/>
+          <a:chExt cx="0" cy="0"/>
+        </a:xfrm>
+      </p:grpSpPr>
+      <p:sp>
+        <p:nvSpPr>
+          <p:cNvPr id="2" name="Slide Image Placeholder 1"/>
+          <p:cNvSpPr>
+            <a:spLocks noGrp="1" noRot="1" noChangeAspect="1"/>
+          </p:cNvSpPr>
+          <p:nvPr>
+            <p:ph type="sldImg"/>
+          </p:nvPr>
+        </p:nvSpPr>
+        <p:spPr/>
+      </p:sp>
+      <p:sp>
+        <p:nvSpPr>
+          <p:cNvPr id="3" name="Notes Placeholder 2"/>
+          <p:cNvSpPr>
+            <a:spLocks noGrp="1"/>
+          </p:cNvSpPr>
+          <p:nvPr>
+            <p:ph type="body" idx="1"/>
+          </p:nvPr>
+        </p:nvSpPr>
+        <p:spPr/>
+        <p:txBody>
+          <a:bodyPr/>
+          <a:lstStyle/>
+          <a:p>
+            <a:r>
+              <a:rPr lang="en-US" b="1" dirty="0"/>
+              <a:t>RESTful APIs:</a:t>
+            </a:r>
+            <a:r>
+              <a:rPr lang="en-US" dirty="0"/>
+              <a:t> </a:t>
+            </a:r>
+            <a:r>
+              <a:rPr lang="en-US" dirty="0" err="1"/>
+              <a:t>Bieten</a:t>
+            </a:r>
+            <a:r>
+              <a:rPr lang="en-US" dirty="0"/>
+              <a:t> </a:t>
+            </a:r>
+            <a:r>
+              <a:rPr lang="en-US" dirty="0" err="1"/>
+              <a:t>eine</a:t>
+            </a:r>
+            <a:r>
+              <a:rPr lang="en-US" dirty="0"/>
+              <a:t> flexible und </a:t>
+            </a:r>
+            <a:r>
+              <a:rPr lang="en-US" dirty="0" err="1"/>
+              <a:t>skalierbare</a:t>
+            </a:r>
+            <a:r>
+              <a:rPr lang="en-US" dirty="0"/>
+              <a:t> Methode </a:t>
+            </a:r>
+            <a:r>
+              <a:rPr lang="en-US" dirty="0" err="1"/>
+              <a:t>zur</a:t>
+            </a:r>
+            <a:r>
+              <a:rPr lang="en-US" dirty="0"/>
+              <a:t> </a:t>
+            </a:r>
+            <a:r>
+              <a:rPr lang="en-US" dirty="0" err="1"/>
+              <a:t>Kommunikation</a:t>
+            </a:r>
+            <a:r>
+              <a:rPr lang="en-US" dirty="0"/>
+              <a:t> </a:t>
+            </a:r>
+            <a:r>
+              <a:rPr lang="en-US" dirty="0" err="1"/>
+              <a:t>zwischen</a:t>
+            </a:r>
+            <a:r>
+              <a:rPr lang="en-US" dirty="0"/>
+              <a:t> </a:t>
+            </a:r>
+            <a:r>
+              <a:rPr lang="en-US" dirty="0" err="1"/>
+              <a:t>Systemen</a:t>
+            </a:r>
+            <a:r>
+              <a:rPr lang="en-US" dirty="0"/>
+              <a:t>.</a:t>
+            </a:r>
+          </a:p>
+          <a:p>
+            <a:r>
+              <a:rPr lang="en-US" b="1" dirty="0"/>
+              <a:t>C# und .NET:</a:t>
+            </a:r>
+            <a:r>
+              <a:rPr lang="en-US" dirty="0"/>
+              <a:t> </a:t>
+            </a:r>
+            <a:r>
+              <a:rPr lang="en-US" dirty="0" err="1"/>
+              <a:t>Stellen</a:t>
+            </a:r>
+            <a:r>
+              <a:rPr lang="en-US" dirty="0"/>
+              <a:t> </a:t>
+            </a:r>
+            <a:r>
+              <a:rPr lang="en-US" dirty="0" err="1"/>
+              <a:t>leistungsfähige</a:t>
+            </a:r>
+            <a:r>
+              <a:rPr lang="en-US" dirty="0"/>
+              <a:t> Tools </a:t>
+            </a:r>
+            <a:r>
+              <a:rPr lang="en-US" dirty="0" err="1"/>
+              <a:t>zur</a:t>
+            </a:r>
+            <a:r>
+              <a:rPr lang="en-US" dirty="0"/>
+              <a:t> </a:t>
+            </a:r>
+            <a:r>
+              <a:rPr lang="en-US" dirty="0" err="1"/>
+              <a:t>Erstellung</a:t>
+            </a:r>
+            <a:r>
+              <a:rPr lang="en-US" dirty="0"/>
+              <a:t> von RESTful APIs </a:t>
+            </a:r>
+            <a:r>
+              <a:rPr lang="en-US" dirty="0" err="1"/>
+              <a:t>bereit</a:t>
+            </a:r>
+            <a:r>
+              <a:rPr lang="en-US" dirty="0"/>
+              <a:t>.</a:t>
+            </a:r>
+          </a:p>
+          <a:p>
+            <a:r>
+              <a:rPr lang="en-US" b="1" dirty="0"/>
+              <a:t>Best Practices:</a:t>
+            </a:r>
+            <a:r>
+              <a:rPr lang="en-US" dirty="0"/>
+              <a:t> </a:t>
+            </a:r>
+            <a:r>
+              <a:rPr lang="en-US" dirty="0" err="1"/>
+              <a:t>Beachten</a:t>
+            </a:r>
+            <a:r>
+              <a:rPr lang="en-US" dirty="0"/>
+              <a:t> Sie </a:t>
+            </a:r>
+            <a:r>
+              <a:rPr lang="en-US" dirty="0" err="1"/>
+              <a:t>bewährte</a:t>
+            </a:r>
+            <a:r>
+              <a:rPr lang="en-US" dirty="0"/>
+              <a:t> </a:t>
+            </a:r>
+            <a:r>
+              <a:rPr lang="en-US" dirty="0" err="1"/>
+              <a:t>Methoden</a:t>
+            </a:r>
+            <a:r>
+              <a:rPr lang="en-US" dirty="0"/>
+              <a:t> für </a:t>
+            </a:r>
+            <a:r>
+              <a:rPr lang="en-US" dirty="0" err="1"/>
+              <a:t>eine</a:t>
+            </a:r>
+            <a:r>
+              <a:rPr lang="en-US" dirty="0"/>
+              <a:t> </a:t>
+            </a:r>
+            <a:r>
+              <a:rPr lang="en-US" dirty="0" err="1"/>
+              <a:t>effektive</a:t>
+            </a:r>
+            <a:r>
+              <a:rPr lang="en-US" dirty="0"/>
+              <a:t> und </a:t>
+            </a:r>
+            <a:r>
+              <a:rPr lang="en-US" dirty="0" err="1"/>
+              <a:t>sichere</a:t>
+            </a:r>
+            <a:r>
+              <a:rPr lang="en-US" dirty="0"/>
+              <a:t> API-</a:t>
+            </a:r>
+            <a:r>
+              <a:rPr lang="en-US" dirty="0" err="1"/>
+              <a:t>Entwicklung</a:t>
+            </a:r>
+            <a:r>
+              <a:rPr lang="en-US" dirty="0"/>
+              <a:t>.</a:t>
+            </a:r>
+          </a:p>
+          <a:p>
+            <a:r>
+              <a:rPr lang="en-US" b="1" dirty="0" err="1"/>
+              <a:t>Weiterführende</a:t>
+            </a:r>
+            <a:r>
+              <a:rPr lang="en-US" b="1" dirty="0"/>
+              <a:t> </a:t>
+            </a:r>
+            <a:r>
+              <a:rPr lang="en-US" b="1" dirty="0" err="1"/>
+              <a:t>Ressourcen</a:t>
+            </a:r>
+            <a:r>
+              <a:rPr lang="en-US" b="1" dirty="0"/>
+              <a:t>:</a:t>
+            </a:r>
+            <a:r>
+              <a:rPr lang="en-US" dirty="0"/>
+              <a:t> </a:t>
+            </a:r>
+            <a:r>
+              <a:rPr lang="en-US" dirty="0" err="1"/>
+              <a:t>Nutzen</a:t>
+            </a:r>
+            <a:r>
+              <a:rPr lang="en-US" dirty="0"/>
+              <a:t> Sie </a:t>
+            </a:r>
+            <a:r>
+              <a:rPr lang="en-US" dirty="0" err="1"/>
+              <a:t>offizielle</a:t>
+            </a:r>
+            <a:r>
+              <a:rPr lang="en-US" dirty="0"/>
+              <a:t> </a:t>
+            </a:r>
+            <a:r>
+              <a:rPr lang="en-US" dirty="0" err="1"/>
+              <a:t>Dokumentationen</a:t>
+            </a:r>
+            <a:r>
+              <a:rPr lang="en-US" dirty="0"/>
+              <a:t> und Community-</a:t>
+            </a:r>
+            <a:r>
+              <a:rPr lang="en-US" dirty="0" err="1"/>
+              <a:t>Beiträge</a:t>
+            </a:r>
+            <a:r>
+              <a:rPr lang="en-US" dirty="0"/>
+              <a:t> für </a:t>
+            </a:r>
+            <a:r>
+              <a:rPr lang="en-US" dirty="0" err="1"/>
+              <a:t>vertiefte</a:t>
+            </a:r>
+            <a:r>
+              <a:rPr lang="en-US" dirty="0"/>
+              <a:t> </a:t>
+            </a:r>
+            <a:r>
+              <a:rPr lang="en-US" dirty="0" err="1"/>
+              <a:t>Informationen</a:t>
+            </a:r>
+            <a:r>
+              <a:rPr lang="en-US" dirty="0"/>
+              <a:t>.</a:t>
+            </a:r>
+            <a:endParaRPr lang="de-AT" dirty="0"/>
+          </a:p>
+          <a:p>
+            <a:endParaRPr lang="de-AT" dirty="0"/>
+          </a:p>
+        </p:txBody>
+      </p:sp>
+      <p:sp>
+        <p:nvSpPr>
+          <p:cNvPr id="4" name="Header Placeholder 3"/>
+          <p:cNvSpPr>
+            <a:spLocks noGrp="1"/>
+          </p:cNvSpPr>
+          <p:nvPr>
+            <p:ph type="hdr" sz="quarter"/>
+          </p:nvPr>
+        </p:nvSpPr>
+        <p:spPr/>
+        <p:txBody>
+          <a:bodyPr/>
+          <a:lstStyle/>
+          <a:p>
+            <a:pPr>
+              <a:defRPr/>
+            </a:pPr>
+            <a:r>
+              <a:rPr lang="de-DE"/>
+              <a:t>Folienkopiervorlage WS 2010/11 / JG 2009 / 3. Semester</a:t>
+            </a:r>
+          </a:p>
+        </p:txBody>
+      </p:sp>
+      <p:sp>
+        <p:nvSpPr>
+          <p:cNvPr id="5" name="Date Placeholder 4"/>
+          <p:cNvSpPr>
+            <a:spLocks noGrp="1"/>
+          </p:cNvSpPr>
+          <p:nvPr>
+            <p:ph type="dt" idx="1"/>
+          </p:nvPr>
+        </p:nvSpPr>
+        <p:spPr/>
+        <p:txBody>
+          <a:bodyPr/>
+          <a:lstStyle/>
+          <a:p>
+            <a:pPr>
+              <a:defRPr/>
+            </a:pPr>
+            <a:r>
+              <a:rPr lang="de-DE"/>
+              <a:t>04-10-2010</a:t>
+            </a:r>
+          </a:p>
+        </p:txBody>
+      </p:sp>
+      <p:sp>
+        <p:nvSpPr>
+          <p:cNvPr id="6" name="Footer Placeholder 5"/>
+          <p:cNvSpPr>
+            <a:spLocks noGrp="1"/>
+          </p:cNvSpPr>
+          <p:nvPr>
+            <p:ph type="ftr" sz="quarter" idx="4"/>
+          </p:nvPr>
+        </p:nvSpPr>
+        <p:spPr/>
+        <p:txBody>
+          <a:bodyPr/>
+          <a:lstStyle/>
+          <a:p>
+            <a:pPr>
+              <a:defRPr/>
+            </a:pPr>
+            <a:r>
+              <a:rPr lang="de-DE"/>
+              <a:t>FH-Prof. Dipl.-Ing. Werner Fritz; Foliensatz Management von F&amp;E-Projekten - Motivation - Inhalte</a:t>
+            </a:r>
+          </a:p>
+        </p:txBody>
+      </p:sp>
+      <p:sp>
+        <p:nvSpPr>
+          <p:cNvPr id="7" name="Slide Number Placeholder 6"/>
+          <p:cNvSpPr>
+            <a:spLocks noGrp="1"/>
+          </p:cNvSpPr>
+          <p:nvPr>
+            <p:ph type="sldNum" sz="quarter" idx="5"/>
+          </p:nvPr>
+        </p:nvSpPr>
+        <p:spPr/>
+        <p:txBody>
+          <a:bodyPr/>
+          <a:lstStyle/>
+          <a:p>
+            <a:pPr>
+              <a:defRPr/>
+            </a:pPr>
+            <a:fld id="{312AB231-0CC3-4271-BA74-AEFB61475580}" type="slidenum">
+              <a:rPr lang="de-DE" smtClean="0"/>
+              <a:pPr>
+                <a:defRPr/>
+              </a:pPr>
+              <a:t>10</a:t>
+            </a:fld>
+            <a:endParaRPr lang="de-DE"/>
+          </a:p>
+        </p:txBody>
+      </p:sp>
+    </p:spTree>
+    <p:extLst>
+      <p:ext uri="{BB962C8B-B14F-4D97-AF65-F5344CB8AC3E}">
+        <p14:creationId xmlns:p14="http://schemas.microsoft.com/office/powerpoint/2010/main" val="788013209"/>
+      </p:ext>
+    </p:extLst>
+  </p:cSld>
+  <p:clrMapOvr>
+    <a:masterClrMapping/>
+  </p:clrMapOvr>
+</p:notes>
 </file>
 
 <file path=ppt/slideLayouts/slideLayout1.xml><?xml version="1.0" encoding="utf-8"?>
@@ -7952,7 +10450,7 @@
         <p:spPr/>
         <p:txBody>
           <a:bodyPr>
-            <a:normAutofit fontScale="92500" lnSpcReduction="20000"/>
+            <a:normAutofit fontScale="92500" lnSpcReduction="10000"/>
           </a:bodyPr>
           <a:lstStyle/>
           <a:p>
@@ -7962,15 +10460,112 @@
             </a:r>
             <a:r>
               <a:rPr lang="en-US" dirty="0"/>
+              <a:t> flexible und </a:t>
+            </a:r>
+            <a:r>
+              <a:rPr lang="en-US" dirty="0" err="1"/>
+              <a:t>skalierbare</a:t>
+            </a:r>
+            <a:r>
+              <a:rPr lang="en-US" dirty="0"/>
+              <a:t> Methode </a:t>
+            </a:r>
+            <a:r>
+              <a:rPr lang="en-US" dirty="0" err="1"/>
+              <a:t>zur</a:t>
+            </a:r>
+            <a:r>
+              <a:rPr lang="en-US" dirty="0"/>
+              <a:t> </a:t>
+            </a:r>
+            <a:r>
+              <a:rPr lang="en-US" dirty="0" err="1"/>
+              <a:t>Kommunikation</a:t>
+            </a:r>
+            <a:r>
+              <a:rPr lang="en-US" dirty="0"/>
+              <a:t> </a:t>
+            </a:r>
+            <a:r>
+              <a:rPr lang="en-US" dirty="0" err="1"/>
+              <a:t>zwischen</a:t>
+            </a:r>
+            <a:r>
+              <a:rPr lang="en-US" dirty="0"/>
+              <a:t> </a:t>
+            </a:r>
+            <a:r>
+              <a:rPr lang="en-US" dirty="0" err="1"/>
+              <a:t>Systemen</a:t>
+            </a:r>
+            <a:endParaRPr lang="en-US" dirty="0"/>
+          </a:p>
+          <a:p>
+            <a:r>
+              <a:rPr lang="en-US" b="1" dirty="0"/>
+              <a:t>C# und .NET:</a:t>
+            </a:r>
+            <a:r>
+              <a:rPr lang="en-US" dirty="0"/>
               <a:t> </a:t>
             </a:r>
             <a:r>
               <a:rPr lang="en-US" dirty="0" err="1"/>
-              <a:t>Bieten</a:t>
+              <a:t>leistungsfähige</a:t>
+            </a:r>
+            <a:r>
+              <a:rPr lang="en-US" dirty="0"/>
+              <a:t> Tools </a:t>
+            </a:r>
+            <a:r>
+              <a:rPr lang="en-US" dirty="0" err="1"/>
+              <a:t>u.A.</a:t>
             </a:r>
             <a:r>
               <a:rPr lang="en-US" dirty="0"/>
               <a:t> </a:t>
+            </a:r>
+            <a:r>
+              <a:rPr lang="en-US" dirty="0" err="1"/>
+              <a:t>zur</a:t>
+            </a:r>
+            <a:r>
+              <a:rPr lang="en-US" dirty="0"/>
+              <a:t> </a:t>
+            </a:r>
+            <a:r>
+              <a:rPr lang="en-US" dirty="0" err="1"/>
+              <a:t>Erstellung</a:t>
+            </a:r>
+            <a:r>
+              <a:rPr lang="en-US" dirty="0"/>
+              <a:t> von RESTful APIs</a:t>
+            </a:r>
+          </a:p>
+          <a:p>
+            <a:r>
+              <a:rPr lang="en-US" b="1" dirty="0"/>
+              <a:t>Best Practices:</a:t>
+            </a:r>
+            <a:r>
+              <a:rPr lang="en-US" dirty="0"/>
+              <a:t> </a:t>
+            </a:r>
+            <a:r>
+              <a:rPr lang="en-US" dirty="0" err="1"/>
+              <a:t>bewährte</a:t>
+            </a:r>
+            <a:r>
+              <a:rPr lang="en-US" dirty="0"/>
+              <a:t> </a:t>
+            </a:r>
+            <a:r>
+              <a:rPr lang="en-US" dirty="0" err="1"/>
+              <a:t>Methoden</a:t>
+            </a:r>
+            <a:r>
+              <a:rPr lang="en-US" dirty="0"/>
+              <a:t> für </a:t>
             </a:r>
             <a:r>
               <a:rPr lang="en-US" dirty="0" err="1"/>
@@ -7978,138 +10573,6 @@
             </a:r>
             <a:r>
               <a:rPr lang="en-US" dirty="0"/>
-              <a:t> flexible und </a:t>
-            </a:r>
-            <a:r>
-              <a:rPr lang="en-US" dirty="0" err="1"/>
-              <a:t>skalierbare</a:t>
-            </a:r>
-            <a:r>
-              <a:rPr lang="en-US" dirty="0"/>
-              <a:t> Methode </a:t>
-            </a:r>
-            <a:r>
-              <a:rPr lang="en-US" dirty="0" err="1"/>
-              <a:t>zur</a:t>
-            </a:r>
-            <a:r>
-              <a:rPr lang="en-US" dirty="0"/>
-              <a:t> </a:t>
-            </a:r>
-            <a:r>
-              <a:rPr lang="en-US" dirty="0" err="1"/>
-              <a:t>Kommunikation</a:t>
-            </a:r>
-            <a:r>
-              <a:rPr lang="en-US" dirty="0"/>
-              <a:t> </a:t>
-            </a:r>
-            <a:r>
-              <a:rPr lang="en-US" dirty="0" err="1"/>
-              <a:t>zwischen</a:t>
-            </a:r>
-            <a:r>
-              <a:rPr lang="en-US" dirty="0"/>
-              <a:t> </a:t>
-            </a:r>
-            <a:r>
-              <a:rPr lang="en-US" dirty="0" err="1"/>
-              <a:t>Systemen</a:t>
-            </a:r>
-            <a:r>
-              <a:rPr lang="en-US" dirty="0"/>
-              <a:t>.</a:t>
-            </a:r>
-          </a:p>
-          <a:p>
-            <a:r>
-              <a:rPr lang="en-US" b="1" dirty="0"/>
-              <a:t>C# und .NET:</a:t>
-            </a:r>
-            <a:r>
-              <a:rPr lang="en-US" dirty="0"/>
-              <a:t> </a:t>
-            </a:r>
-            <a:r>
-              <a:rPr lang="en-US" dirty="0" err="1"/>
-              <a:t>Stellen</a:t>
-            </a:r>
-            <a:r>
-              <a:rPr lang="en-US" dirty="0"/>
-              <a:t> </a:t>
-            </a:r>
-            <a:r>
-              <a:rPr lang="en-US" dirty="0" err="1"/>
-              <a:t>leistungsfähige</a:t>
-            </a:r>
-            <a:r>
-              <a:rPr lang="en-US" dirty="0"/>
-              <a:t> Tools </a:t>
-            </a:r>
-            <a:r>
-              <a:rPr lang="en-US" dirty="0" err="1"/>
-              <a:t>zur</a:t>
-            </a:r>
-            <a:r>
-              <a:rPr lang="en-US" dirty="0"/>
-              <a:t> </a:t>
-            </a:r>
-            <a:r>
-              <a:rPr lang="en-US" dirty="0" err="1"/>
-              <a:t>Erstellung</a:t>
-            </a:r>
-            <a:r>
-              <a:rPr lang="en-US" dirty="0"/>
-              <a:t> von RESTful APIs </a:t>
-            </a:r>
-            <a:r>
-              <a:rPr lang="en-US" dirty="0" err="1"/>
-              <a:t>bereit</a:t>
-            </a:r>
-            <a:r>
-              <a:rPr lang="en-US" dirty="0"/>
-              <a:t>.</a:t>
-            </a:r>
-          </a:p>
-          <a:p>
-            <a:r>
-              <a:rPr lang="en-US" b="1" dirty="0"/>
-              <a:t>Best Practices:</a:t>
-            </a:r>
-            <a:r>
-              <a:rPr lang="en-US" dirty="0"/>
-              <a:t> </a:t>
-            </a:r>
-            <a:r>
-              <a:rPr lang="en-US" dirty="0" err="1"/>
-              <a:t>Beachten</a:t>
-            </a:r>
-            <a:r>
-              <a:rPr lang="en-US" dirty="0"/>
-              <a:t> Sie </a:t>
-            </a:r>
-            <a:r>
-              <a:rPr lang="en-US" dirty="0" err="1"/>
-              <a:t>bewährte</a:t>
-            </a:r>
-            <a:r>
-              <a:rPr lang="en-US" dirty="0"/>
-              <a:t> </a:t>
-            </a:r>
-            <a:r>
-              <a:rPr lang="en-US" dirty="0" err="1"/>
-              <a:t>Methoden</a:t>
-            </a:r>
-            <a:r>
-              <a:rPr lang="en-US" dirty="0"/>
-              <a:t> für </a:t>
-            </a:r>
-            <a:r>
-              <a:rPr lang="en-US" dirty="0" err="1"/>
-              <a:t>eine</a:t>
-            </a:r>
-            <a:r>
-              <a:rPr lang="en-US" dirty="0"/>
               <a:t> </a:t>
             </a:r>
             <a:r>
@@ -8132,10 +10595,7 @@
               <a:rPr lang="en-US" dirty="0" err="1"/>
               <a:t>Entwicklung</a:t>
             </a:r>
-            <a:r>
-              <a:rPr lang="en-US" dirty="0"/>
-              <a:t>.</a:t>
-            </a:r>
+            <a:endParaRPr lang="en-US" dirty="0"/>
           </a:p>
           <a:p>
             <a:r>
@@ -8160,14 +10620,6 @@
             </a:r>
             <a:r>
               <a:rPr lang="en-US" dirty="0" err="1"/>
-              <a:t>Nutzen</a:t>
-            </a:r>
-            <a:r>
-              <a:rPr lang="en-US" dirty="0"/>
-              <a:t> Sie </a:t>
-            </a:r>
-            <a:r>
-              <a:rPr lang="en-US" dirty="0" err="1"/>
               <a:t>offizielle</a:t>
             </a:r>
             <a:r>
@@ -8201,10 +10653,6 @@
             <a:r>
               <a:rPr lang="en-US" dirty="0" err="1"/>
               <a:t>Informationen</a:t>
-            </a:r>
-            <a:r>
-              <a:rPr lang="en-US" dirty="0"/>
-              <a:t>.</a:t>
             </a:r>
             <a:endParaRPr lang="de-AT" dirty="0"/>
           </a:p>
@@ -9107,7 +11555,7 @@
         <p:spPr/>
         <p:txBody>
           <a:bodyPr>
-            <a:normAutofit fontScale="92500" lnSpcReduction="10000"/>
+            <a:normAutofit/>
           </a:bodyPr>
           <a:lstStyle/>
           <a:p>
@@ -9128,16 +11576,153 @@
                 </a:solidFill>
                 <a:effectLst/>
               </a:rPr>
-              <a:t> Eine API (Application Programming Interface) </a:t>
+              <a:t> API (Application Programming Interface)  </a:t>
+            </a:r>
+            <a:r>
+              <a:rPr lang="en-US" b="0" i="0" u="none" strike="noStrike" dirty="0">
+                <a:solidFill>
+                  <a:srgbClr val="000000"/>
+                </a:solidFill>
+                <a:effectLst/>
+                <a:sym typeface="Wingdings" pitchFamily="2" charset="2"/>
+              </a:rPr>
+              <a:t> </a:t>
             </a:r>
             <a:r>
               <a:rPr lang="en-US" b="0" i="0" u="none" strike="noStrike" dirty="0" err="1">
+                <a:solidFill>
+                  <a:srgbClr val="000000"/>
+                </a:solidFill>
+                <a:effectLst/>
+                <a:sym typeface="Wingdings" pitchFamily="2" charset="2"/>
+              </a:rPr>
+              <a:t>Schnittstelle</a:t>
+            </a:r>
+            <a:r>
+              <a:rPr lang="en-US" b="0" i="0" u="none" strike="noStrike" dirty="0">
+                <a:solidFill>
+                  <a:srgbClr val="000000"/>
+                </a:solidFill>
+                <a:effectLst/>
+                <a:sym typeface="Wingdings" pitchFamily="2" charset="2"/>
+              </a:rPr>
+              <a:t> </a:t>
+            </a:r>
+            <a:r>
+              <a:rPr lang="en-US" b="0" i="0" u="none" strike="noStrike" dirty="0" err="1">
+                <a:solidFill>
+                  <a:srgbClr val="000000"/>
+                </a:solidFill>
+                <a:effectLst/>
+                <a:sym typeface="Wingdings" pitchFamily="2" charset="2"/>
+              </a:rPr>
+              <a:t>zur</a:t>
+            </a:r>
+            <a:r>
+              <a:rPr lang="en-US" b="0" i="0" u="none" strike="noStrike" dirty="0">
+                <a:solidFill>
+                  <a:srgbClr val="000000"/>
+                </a:solidFill>
+                <a:effectLst/>
+                <a:sym typeface="Wingdings" pitchFamily="2" charset="2"/>
+              </a:rPr>
+              <a:t> </a:t>
+            </a:r>
+            <a:r>
+              <a:rPr lang="en-US" b="0" i="0" u="none" strike="noStrike" dirty="0" err="1">
+                <a:solidFill>
+                  <a:srgbClr val="000000"/>
+                </a:solidFill>
+                <a:effectLst/>
+                <a:sym typeface="Wingdings" pitchFamily="2" charset="2"/>
+              </a:rPr>
+              <a:t>Kommunikation</a:t>
+            </a:r>
+            <a:r>
+              <a:rPr lang="en-US" b="0" i="0" u="none" strike="noStrike" dirty="0">
+                <a:solidFill>
+                  <a:srgbClr val="000000"/>
+                </a:solidFill>
+                <a:effectLst/>
+                <a:sym typeface="Wingdings" pitchFamily="2" charset="2"/>
+              </a:rPr>
+              <a:t> von </a:t>
+            </a:r>
+            <a:r>
+              <a:rPr lang="en-US" b="0" i="0" u="none" strike="noStrike" dirty="0" err="1">
+                <a:solidFill>
+                  <a:srgbClr val="000000"/>
+                </a:solidFill>
+                <a:effectLst/>
+                <a:sym typeface="Wingdings" pitchFamily="2" charset="2"/>
+              </a:rPr>
+              <a:t>Softwareanwendungen</a:t>
+            </a:r>
+            <a:endParaRPr lang="en-US" b="0" i="0" u="none" strike="noStrike" dirty="0">
+              <a:solidFill>
+                <a:srgbClr val="000000"/>
+              </a:solidFill>
+              <a:effectLst/>
+              <a:sym typeface="Wingdings" pitchFamily="2" charset="2"/>
+            </a:endParaRPr>
+          </a:p>
+          <a:p>
+            <a:pPr algn="l"/>
+            <a:r>
+              <a:rPr lang="en-US" b="1" i="0" u="none" strike="noStrike" dirty="0" err="1">
                 <a:solidFill>
                   <a:srgbClr val="000000"/>
                 </a:solidFill>
                 <a:effectLst/>
               </a:rPr>
-              <a:t>ist</a:t>
+              <a:t>Beispiel</a:t>
+            </a:r>
+            <a:r>
+              <a:rPr lang="en-US" b="1" i="0" u="none" strike="noStrike" dirty="0">
+                <a:solidFill>
+                  <a:srgbClr val="000000"/>
+                </a:solidFill>
+                <a:effectLst/>
+              </a:rPr>
+              <a:t>:</a:t>
+            </a:r>
+            <a:r>
+              <a:rPr lang="en-US" b="0" i="0" u="none" strike="noStrike" dirty="0">
+                <a:solidFill>
+                  <a:srgbClr val="000000"/>
+                </a:solidFill>
+                <a:effectLst/>
+              </a:rPr>
+              <a:t> Eine Wetter-App</a:t>
+            </a:r>
+          </a:p>
+          <a:p>
+            <a:r>
+              <a:rPr lang="en-US" b="1" i="0" u="none" strike="noStrike" dirty="0">
+                <a:solidFill>
+                  <a:srgbClr val="000000"/>
+                </a:solidFill>
+                <a:effectLst/>
+              </a:rPr>
+              <a:t>Rolle von APIs:</a:t>
+            </a:r>
+            <a:r>
+              <a:rPr lang="en-US" b="0" i="0" u="none" strike="noStrike" dirty="0">
+                <a:solidFill>
+                  <a:srgbClr val="000000"/>
+                </a:solidFill>
+                <a:effectLst/>
+              </a:rPr>
+              <a:t> Integration und </a:t>
+            </a:r>
+            <a:r>
+              <a:rPr lang="en-US" b="0" i="0" u="none" strike="noStrike" dirty="0" err="1">
+                <a:solidFill>
+                  <a:srgbClr val="000000"/>
+                </a:solidFill>
+                <a:effectLst/>
+              </a:rPr>
+              <a:t>Interoperabilität</a:t>
             </a:r>
             <a:r>
               <a:rPr lang="en-US" b="0" i="0" u="none" strike="noStrike" dirty="0">
@@ -9155,7 +11740,7 @@
                 </a:solidFill>
                 <a:effectLst/>
               </a:rPr>
-              <a:t>eine</a:t>
+              <a:t>zwischen</a:t>
             </a:r>
             <a:r>
               <a:rPr lang="en-US" b="0" i="0" u="none" strike="noStrike" dirty="0">
@@ -9173,25 +11758,7 @@
                 </a:solidFill>
                 <a:effectLst/>
               </a:rPr>
-              <a:t>Schnittstelle</a:t>
-            </a:r>
-            <a:r>
-              <a:rPr lang="en-US" b="0" i="0" u="none" strike="noStrike" dirty="0">
-                <a:solidFill>
-                  <a:srgbClr val="000000"/>
-                </a:solidFill>
-                <a:effectLst/>
-              </a:rPr>
-              <a:t>, die es </a:t>
-            </a:r>
-            <a:r>
-              <a:rPr lang="en-US" b="0" i="0" u="none" strike="noStrike" dirty="0" err="1">
-                <a:solidFill>
-                  <a:srgbClr val="000000"/>
-                </a:solidFill>
-                <a:effectLst/>
-              </a:rPr>
-              <a:t>Softwareanwendungen</a:t>
+              <a:t>verschiedenen</a:t>
             </a:r>
             <a:r>
               <a:rPr lang="en-US" b="0" i="0" u="none" strike="noStrike" dirty="0">
@@ -9209,279 +11776,6 @@
                 </a:solidFill>
                 <a:effectLst/>
               </a:rPr>
-              <a:t>ermöglicht</a:t>
-            </a:r>
-            <a:r>
-              <a:rPr lang="en-US" b="0" i="0" u="none" strike="noStrike" dirty="0">
-                <a:solidFill>
-                  <a:srgbClr val="000000"/>
-                </a:solidFill>
-                <a:effectLst/>
-              </a:rPr>
-              <a:t>, </a:t>
-            </a:r>
-            <a:r>
-              <a:rPr lang="en-US" b="0" i="0" u="none" strike="noStrike" dirty="0" err="1">
-                <a:solidFill>
-                  <a:srgbClr val="000000"/>
-                </a:solidFill>
-                <a:effectLst/>
-              </a:rPr>
-              <a:t>miteinander</a:t>
-            </a:r>
-            <a:r>
-              <a:rPr lang="en-US" b="0" i="0" u="none" strike="noStrike" dirty="0">
-                <a:solidFill>
-                  <a:srgbClr val="000000"/>
-                </a:solidFill>
-                <a:effectLst/>
-              </a:rPr>
-              <a:t> </a:t>
-            </a:r>
-            <a:r>
-              <a:rPr lang="en-US" b="0" i="0" u="none" strike="noStrike" dirty="0" err="1">
-                <a:solidFill>
-                  <a:srgbClr val="000000"/>
-                </a:solidFill>
-                <a:effectLst/>
-              </a:rPr>
-              <a:t>zu</a:t>
-            </a:r>
-            <a:r>
-              <a:rPr lang="en-US" b="0" i="0" u="none" strike="noStrike" dirty="0">
-                <a:solidFill>
-                  <a:srgbClr val="000000"/>
-                </a:solidFill>
-                <a:effectLst/>
-              </a:rPr>
-              <a:t> </a:t>
-            </a:r>
-            <a:r>
-              <a:rPr lang="en-US" b="0" i="0" u="none" strike="noStrike" dirty="0" err="1">
-                <a:solidFill>
-                  <a:srgbClr val="000000"/>
-                </a:solidFill>
-                <a:effectLst/>
-              </a:rPr>
-              <a:t>kommunizieren</a:t>
-            </a:r>
-            <a:r>
-              <a:rPr lang="en-US" b="0" i="0" u="none" strike="noStrike" dirty="0">
-                <a:solidFill>
-                  <a:srgbClr val="000000"/>
-                </a:solidFill>
-                <a:effectLst/>
-              </a:rPr>
-              <a:t>.</a:t>
-            </a:r>
-          </a:p>
-          <a:p>
-            <a:pPr algn="l">
-              <a:buFont typeface="Arial" panose="020B0604020202020204" pitchFamily="34" charset="0"/>
-              <a:buChar char="•"/>
-            </a:pPr>
-            <a:r>
-              <a:rPr lang="en-US" b="1" i="0" u="none" strike="noStrike" dirty="0" err="1">
-                <a:solidFill>
-                  <a:srgbClr val="000000"/>
-                </a:solidFill>
-                <a:effectLst/>
-              </a:rPr>
-              <a:t>Beispiel</a:t>
-            </a:r>
-            <a:r>
-              <a:rPr lang="en-US" b="1" i="0" u="none" strike="noStrike" dirty="0">
-                <a:solidFill>
-                  <a:srgbClr val="000000"/>
-                </a:solidFill>
-                <a:effectLst/>
-              </a:rPr>
-              <a:t>:</a:t>
-            </a:r>
-            <a:r>
-              <a:rPr lang="en-US" b="0" i="0" u="none" strike="noStrike" dirty="0">
-                <a:solidFill>
-                  <a:srgbClr val="000000"/>
-                </a:solidFill>
-                <a:effectLst/>
-              </a:rPr>
-              <a:t> Eine Wetter-App, die </a:t>
-            </a:r>
-            <a:r>
-              <a:rPr lang="en-US" b="0" i="0" u="none" strike="noStrike" dirty="0" err="1">
-                <a:solidFill>
-                  <a:srgbClr val="000000"/>
-                </a:solidFill>
-                <a:effectLst/>
-              </a:rPr>
-              <a:t>Daten</a:t>
-            </a:r>
-            <a:r>
-              <a:rPr lang="en-US" b="0" i="0" u="none" strike="noStrike" dirty="0">
-                <a:solidFill>
-                  <a:srgbClr val="000000"/>
-                </a:solidFill>
-                <a:effectLst/>
-              </a:rPr>
-              <a:t> von </a:t>
-            </a:r>
-            <a:r>
-              <a:rPr lang="en-US" b="0" i="0" u="none" strike="noStrike" dirty="0" err="1">
-                <a:solidFill>
-                  <a:srgbClr val="000000"/>
-                </a:solidFill>
-                <a:effectLst/>
-              </a:rPr>
-              <a:t>einem</a:t>
-            </a:r>
-            <a:r>
-              <a:rPr lang="en-US" b="0" i="0" u="none" strike="noStrike" dirty="0">
-                <a:solidFill>
-                  <a:srgbClr val="000000"/>
-                </a:solidFill>
-                <a:effectLst/>
-              </a:rPr>
-              <a:t> </a:t>
-            </a:r>
-            <a:r>
-              <a:rPr lang="en-US" b="0" i="0" u="none" strike="noStrike" dirty="0" err="1">
-                <a:solidFill>
-                  <a:srgbClr val="000000"/>
-                </a:solidFill>
-                <a:effectLst/>
-              </a:rPr>
-              <a:t>Wetterdienst</a:t>
-            </a:r>
-            <a:r>
-              <a:rPr lang="en-US" b="0" i="0" u="none" strike="noStrike" dirty="0">
-                <a:solidFill>
-                  <a:srgbClr val="000000"/>
-                </a:solidFill>
-                <a:effectLst/>
-              </a:rPr>
-              <a:t> </a:t>
-            </a:r>
-            <a:r>
-              <a:rPr lang="en-US" b="0" i="0" u="none" strike="noStrike" dirty="0" err="1">
-                <a:solidFill>
-                  <a:srgbClr val="000000"/>
-                </a:solidFill>
-                <a:effectLst/>
-              </a:rPr>
-              <a:t>abruft</a:t>
-            </a:r>
-            <a:r>
-              <a:rPr lang="en-US" b="0" i="0" u="none" strike="noStrike" dirty="0">
-                <a:solidFill>
-                  <a:srgbClr val="000000"/>
-                </a:solidFill>
-                <a:effectLst/>
-              </a:rPr>
-              <a:t>.</a:t>
-            </a:r>
-          </a:p>
-          <a:p>
-            <a:pPr algn="l">
-              <a:buFont typeface="Arial" panose="020B0604020202020204" pitchFamily="34" charset="0"/>
-              <a:buChar char="•"/>
-            </a:pPr>
-            <a:r>
-              <a:rPr lang="en-US" b="1" i="0" u="none" strike="noStrike" dirty="0">
-                <a:solidFill>
-                  <a:srgbClr val="000000"/>
-                </a:solidFill>
-                <a:effectLst/>
-              </a:rPr>
-              <a:t>Rolle von APIs:</a:t>
-            </a:r>
-            <a:r>
-              <a:rPr lang="en-US" b="0" i="0" u="none" strike="noStrike" dirty="0">
-                <a:solidFill>
-                  <a:srgbClr val="000000"/>
-                </a:solidFill>
-                <a:effectLst/>
-              </a:rPr>
-              <a:t> </a:t>
-            </a:r>
-            <a:r>
-              <a:rPr lang="en-US" b="0" i="0" u="none" strike="noStrike" dirty="0" err="1">
-                <a:solidFill>
-                  <a:srgbClr val="000000"/>
-                </a:solidFill>
-                <a:effectLst/>
-              </a:rPr>
-              <a:t>Ermöglichen</a:t>
-            </a:r>
-            <a:r>
-              <a:rPr lang="en-US" b="0" i="0" u="none" strike="noStrike" dirty="0">
-                <a:solidFill>
-                  <a:srgbClr val="000000"/>
-                </a:solidFill>
-                <a:effectLst/>
-              </a:rPr>
-              <a:t> die Integration und </a:t>
-            </a:r>
-            <a:r>
-              <a:rPr lang="en-US" b="0" i="0" u="none" strike="noStrike" dirty="0" err="1">
-                <a:solidFill>
-                  <a:srgbClr val="000000"/>
-                </a:solidFill>
-                <a:effectLst/>
-              </a:rPr>
-              <a:t>Interoperabilität</a:t>
-            </a:r>
-            <a:r>
-              <a:rPr lang="en-US" b="0" i="0" u="none" strike="noStrike" dirty="0">
-                <a:solidFill>
-                  <a:srgbClr val="000000"/>
-                </a:solidFill>
-                <a:effectLst/>
-              </a:rPr>
-              <a:t> </a:t>
-            </a:r>
-            <a:r>
-              <a:rPr lang="en-US" b="0" i="0" u="none" strike="noStrike" dirty="0" err="1">
-                <a:solidFill>
-                  <a:srgbClr val="000000"/>
-                </a:solidFill>
-                <a:effectLst/>
-              </a:rPr>
-              <a:t>zwischen</a:t>
-            </a:r>
-            <a:r>
-              <a:rPr lang="en-US" b="0" i="0" u="none" strike="noStrike" dirty="0">
-                <a:solidFill>
-                  <a:srgbClr val="000000"/>
-                </a:solidFill>
-                <a:effectLst/>
-              </a:rPr>
-              <a:t> </a:t>
-            </a:r>
-            <a:r>
-              <a:rPr lang="en-US" b="0" i="0" u="none" strike="noStrike" dirty="0" err="1">
-                <a:solidFill>
-                  <a:srgbClr val="000000"/>
-                </a:solidFill>
-                <a:effectLst/>
-              </a:rPr>
-              <a:t>verschiedenen</a:t>
-            </a:r>
-            <a:r>
-              <a:rPr lang="en-US" b="0" i="0" u="none" strike="noStrike" dirty="0">
-                <a:solidFill>
-                  <a:srgbClr val="000000"/>
-                </a:solidFill>
-                <a:effectLst/>
-              </a:rPr>
-              <a:t> </a:t>
-            </a:r>
-            <a:r>
-              <a:rPr lang="en-US" b="0" i="0" u="none" strike="noStrike" dirty="0" err="1">
-                <a:solidFill>
-                  <a:srgbClr val="000000"/>
-                </a:solidFill>
-                <a:effectLst/>
-              </a:rPr>
               <a:t>Systemen</a:t>
             </a:r>
             <a:r>
@@ -9502,15 +11796,12 @@
               </a:rPr>
               <a:t>Diensten</a:t>
             </a:r>
-            <a:r>
-              <a:rPr lang="en-US" b="0" i="0" u="none" strike="noStrike" dirty="0">
-                <a:solidFill>
-                  <a:srgbClr val="000000"/>
-                </a:solidFill>
-                <a:effectLst/>
-              </a:rPr>
-              <a:t>.</a:t>
-            </a:r>
+            <a:endParaRPr lang="en-US" b="0" i="0" u="none" strike="noStrike" dirty="0">
+              <a:solidFill>
+                <a:srgbClr val="000000"/>
+              </a:solidFill>
+              <a:effectLst/>
+            </a:endParaRPr>
           </a:p>
           <a:p>
             <a:endParaRPr lang="de-AT" dirty="0"/>
@@ -9686,259 +11977,91 @@
         <p:spPr/>
         <p:txBody>
           <a:bodyPr>
-            <a:normAutofit fontScale="85000" lnSpcReduction="20000"/>
+            <a:normAutofit/>
           </a:bodyPr>
           <a:lstStyle/>
           <a:p>
-            <a:pPr>
-              <a:buFont typeface="Arial" panose="020B0604020202020204" pitchFamily="34" charset="0"/>
-              <a:buChar char="•"/>
-            </a:pPr>
-            <a:r>
-              <a:rPr lang="en-US" b="1" dirty="0"/>
+            <a:r>
+              <a:rPr lang="en-US" sz="3200" b="1" dirty="0"/>
               <a:t>Definition:</a:t>
             </a:r>
             <a:r>
-              <a:rPr lang="en-US" dirty="0"/>
+              <a:rPr lang="en-US" sz="3200" dirty="0"/>
               <a:t> REST (Representational State Transfer) </a:t>
             </a:r>
             <a:r>
-              <a:rPr lang="en-US" dirty="0" err="1"/>
-              <a:t>ist</a:t>
-            </a:r>
-            <a:r>
-              <a:rPr lang="en-US" dirty="0"/>
+              <a:rPr lang="en-US" sz="3200" dirty="0">
+                <a:sym typeface="Wingdings" pitchFamily="2" charset="2"/>
+              </a:rPr>
+              <a:t> </a:t>
+            </a:r>
+            <a:r>
+              <a:rPr lang="en-US" sz="3200" dirty="0" err="1"/>
+              <a:t>Architekturstil</a:t>
+            </a:r>
+            <a:r>
+              <a:rPr lang="en-US" sz="3200" dirty="0"/>
+              <a:t> für </a:t>
+            </a:r>
+            <a:r>
+              <a:rPr lang="en-US" sz="3200" dirty="0" err="1"/>
+              <a:t>verteilte</a:t>
+            </a:r>
+            <a:r>
+              <a:rPr lang="en-US" sz="3200" dirty="0"/>
               <a:t> </a:t>
             </a:r>
             <a:r>
-              <a:rPr lang="en-US" dirty="0" err="1"/>
-              <a:t>ein</a:t>
-            </a:r>
-            <a:r>
-              <a:rPr lang="en-US" dirty="0"/>
+              <a:rPr lang="en-US" sz="3200" dirty="0" err="1"/>
+              <a:t>Systeme</a:t>
+            </a:r>
+            <a:endParaRPr lang="en-US" sz="3200" dirty="0"/>
+          </a:p>
+          <a:p>
+            <a:r>
+              <a:rPr lang="en-US" sz="3200" b="1" dirty="0" err="1"/>
+              <a:t>Eigenschaften</a:t>
+            </a:r>
+            <a:r>
+              <a:rPr lang="en-US" sz="3200" b="1" dirty="0"/>
+              <a:t>: </a:t>
+            </a:r>
+          </a:p>
+          <a:p>
+            <a:pPr lvl="1"/>
+            <a:r>
+              <a:rPr lang="en-US" sz="2800" dirty="0" err="1"/>
+              <a:t>Zustandslosigkeit</a:t>
+            </a:r>
+            <a:endParaRPr lang="en-US" sz="2800" dirty="0"/>
+          </a:p>
+          <a:p>
+            <a:pPr lvl="1"/>
+            <a:r>
+              <a:rPr lang="en-US" sz="2800" dirty="0"/>
+              <a:t>Client-Server-</a:t>
+            </a:r>
+            <a:r>
+              <a:rPr lang="en-US" sz="2800" dirty="0" err="1"/>
+              <a:t>Architektur</a:t>
+            </a:r>
+            <a:endParaRPr lang="en-US" sz="2800" dirty="0"/>
+          </a:p>
+          <a:p>
+            <a:pPr lvl="1"/>
+            <a:r>
+              <a:rPr lang="en-US" sz="2800" dirty="0" err="1"/>
+              <a:t>Einheitliche</a:t>
+            </a:r>
+            <a:r>
+              <a:rPr lang="en-US" sz="2800" dirty="0"/>
               <a:t> </a:t>
             </a:r>
             <a:r>
-              <a:rPr lang="en-US" dirty="0" err="1"/>
-              <a:t>Architekturstil</a:t>
-            </a:r>
-            <a:r>
-              <a:rPr lang="en-US" dirty="0"/>
-              <a:t> für </a:t>
-            </a:r>
-            <a:r>
-              <a:rPr lang="en-US" dirty="0" err="1"/>
-              <a:t>verteilte</a:t>
-            </a:r>
-            <a:r>
-              <a:rPr lang="en-US" dirty="0"/>
-              <a:t> </a:t>
-            </a:r>
-            <a:r>
-              <a:rPr lang="en-US" dirty="0" err="1"/>
-              <a:t>Systeme</a:t>
-            </a:r>
-            <a:r>
-              <a:rPr lang="en-US" dirty="0"/>
-              <a:t>, der auf den </a:t>
-            </a:r>
-            <a:r>
-              <a:rPr lang="en-US" dirty="0" err="1"/>
-              <a:t>Prinzipien</a:t>
-            </a:r>
-            <a:r>
-              <a:rPr lang="en-US" dirty="0"/>
-              <a:t> des Webs </a:t>
-            </a:r>
-            <a:r>
-              <a:rPr lang="en-US" dirty="0" err="1"/>
-              <a:t>basiert</a:t>
-            </a:r>
-            <a:r>
-              <a:rPr lang="en-US" dirty="0"/>
-              <a:t>.</a:t>
-            </a:r>
-          </a:p>
-          <a:p>
-            <a:pPr>
-              <a:buFont typeface="Arial" panose="020B0604020202020204" pitchFamily="34" charset="0"/>
-              <a:buChar char="•"/>
-            </a:pPr>
-            <a:r>
-              <a:rPr lang="en-US" b="1" dirty="0" err="1"/>
-              <a:t>Eigenschaften</a:t>
-            </a:r>
-            <a:r>
-              <a:rPr lang="en-US" b="1" dirty="0"/>
-              <a:t>: </a:t>
-            </a:r>
-            <a:r>
-              <a:rPr lang="en-US" dirty="0" err="1"/>
-              <a:t>Zustandslosigkeit</a:t>
-            </a:r>
-            <a:r>
-              <a:rPr lang="en-US" dirty="0"/>
-              <a:t>: </a:t>
-            </a:r>
-            <a:r>
-              <a:rPr lang="en-US" dirty="0" err="1"/>
-              <a:t>Jede</a:t>
-            </a:r>
-            <a:r>
-              <a:rPr lang="en-US" dirty="0"/>
-              <a:t> </a:t>
-            </a:r>
-            <a:r>
-              <a:rPr lang="en-US" dirty="0" err="1"/>
-              <a:t>Anfrage</a:t>
-            </a:r>
-            <a:r>
-              <a:rPr lang="en-US" dirty="0"/>
-              <a:t> </a:t>
-            </a:r>
-            <a:r>
-              <a:rPr lang="en-US" dirty="0" err="1"/>
-              <a:t>enthält</a:t>
-            </a:r>
-            <a:r>
-              <a:rPr lang="en-US" dirty="0"/>
-              <a:t> alle </a:t>
-            </a:r>
-            <a:r>
-              <a:rPr lang="en-US" dirty="0" err="1"/>
-              <a:t>notwendigen</a:t>
-            </a:r>
-            <a:r>
-              <a:rPr lang="en-US" dirty="0"/>
-              <a:t> </a:t>
-            </a:r>
-            <a:r>
-              <a:rPr lang="en-US" dirty="0" err="1"/>
-              <a:t>Informationen</a:t>
-            </a:r>
-            <a:r>
-              <a:rPr lang="en-US" dirty="0"/>
-              <a:t>.</a:t>
-            </a:r>
-          </a:p>
-          <a:p>
-            <a:pPr>
-              <a:buFont typeface="Arial" panose="020B0604020202020204" pitchFamily="34" charset="0"/>
-              <a:buChar char="•"/>
-            </a:pPr>
-            <a:r>
-              <a:rPr lang="en-US" dirty="0"/>
-              <a:t>Client-Server-</a:t>
-            </a:r>
-            <a:r>
-              <a:rPr lang="en-US" dirty="0" err="1"/>
-              <a:t>Architektur</a:t>
-            </a:r>
-            <a:r>
-              <a:rPr lang="en-US" dirty="0"/>
-              <a:t>: </a:t>
-            </a:r>
-            <a:r>
-              <a:rPr lang="en-US" dirty="0" err="1"/>
-              <a:t>Trennung</a:t>
-            </a:r>
-            <a:r>
-              <a:rPr lang="en-US" dirty="0"/>
-              <a:t> von Client und Server.</a:t>
-            </a:r>
-          </a:p>
-          <a:p>
-            <a:pPr>
-              <a:buFont typeface="Arial" panose="020B0604020202020204" pitchFamily="34" charset="0"/>
-              <a:buChar char="•"/>
-            </a:pPr>
-            <a:r>
-              <a:rPr lang="en-US" dirty="0" err="1"/>
-              <a:t>Einheitliche</a:t>
-            </a:r>
-            <a:r>
-              <a:rPr lang="en-US" dirty="0"/>
-              <a:t> </a:t>
-            </a:r>
-            <a:r>
-              <a:rPr lang="en-US" dirty="0" err="1"/>
+              <a:rPr lang="en-US" sz="2800" dirty="0" err="1"/>
               <a:t>Schnittstelle</a:t>
             </a:r>
-            <a:r>
-              <a:rPr lang="en-US" dirty="0"/>
-              <a:t>: </a:t>
-            </a:r>
-            <a:r>
-              <a:rPr lang="en-US" dirty="0" err="1"/>
-              <a:t>Konsistente</a:t>
-            </a:r>
-            <a:r>
-              <a:rPr lang="en-US" dirty="0"/>
-              <a:t> </a:t>
-            </a:r>
-            <a:r>
-              <a:rPr lang="en-US" dirty="0" err="1"/>
-              <a:t>Nutzung</a:t>
-            </a:r>
-            <a:r>
-              <a:rPr lang="en-US" dirty="0"/>
-              <a:t> von URIs und HTTP-</a:t>
-            </a:r>
-            <a:r>
-              <a:rPr lang="en-US" dirty="0" err="1"/>
-              <a:t>Methoden</a:t>
-            </a:r>
-            <a:r>
-              <a:rPr lang="en-US" dirty="0"/>
-              <a:t>.</a:t>
-            </a:r>
-          </a:p>
-          <a:p>
-            <a:r>
-              <a:rPr lang="en-US" b="1" dirty="0" err="1"/>
-              <a:t>Vorteile</a:t>
-            </a:r>
-            <a:r>
-              <a:rPr lang="en-US" b="1" dirty="0"/>
-              <a:t>:</a:t>
-            </a:r>
-            <a:r>
-              <a:rPr lang="en-US" dirty="0"/>
-              <a:t> </a:t>
-            </a:r>
-            <a:r>
-              <a:rPr lang="en-US" dirty="0" err="1"/>
-              <a:t>Skalierbarkeit</a:t>
-            </a:r>
-            <a:r>
-              <a:rPr lang="en-US" dirty="0"/>
-              <a:t>, </a:t>
-            </a:r>
-            <a:r>
-              <a:rPr lang="en-US" dirty="0" err="1"/>
-              <a:t>Flexibilität</a:t>
-            </a:r>
-            <a:r>
-              <a:rPr lang="en-US" dirty="0"/>
-              <a:t> und </a:t>
-            </a:r>
-            <a:r>
-              <a:rPr lang="en-US" dirty="0" err="1"/>
-              <a:t>einfache</a:t>
-            </a:r>
-            <a:r>
-              <a:rPr lang="en-US" dirty="0"/>
-              <a:t> </a:t>
-            </a:r>
-            <a:r>
-              <a:rPr lang="en-US" dirty="0" err="1"/>
-              <a:t>Implementierung</a:t>
-            </a:r>
-            <a:r>
-              <a:rPr lang="en-US" dirty="0"/>
-              <a:t>.</a:t>
-            </a:r>
-            <a:endParaRPr lang="de-AT" dirty="0"/>
+            <a:endParaRPr lang="en-US" sz="2800" dirty="0"/>
           </a:p>
         </p:txBody>
       </p:sp>
@@ -10135,11 +12258,10 @@
         <p:spPr/>
         <p:txBody>
           <a:bodyPr>
-            <a:normAutofit/>
+            <a:normAutofit lnSpcReduction="10000"/>
           </a:bodyPr>
           <a:lstStyle/>
           <a:p>
-            <a:pPr algn="l"/>
             <a:r>
               <a:rPr lang="en-US" b="1" i="0" u="none" strike="noStrike" dirty="0">
                 <a:solidFill>
@@ -10196,10 +12318,6 @@
             </a:r>
           </a:p>
           <a:p>
-            <a:pPr algn="l">
-              <a:buFont typeface="Arial" panose="020B0604020202020204" pitchFamily="34" charset="0"/>
-              <a:buChar char="•"/>
-            </a:pPr>
             <a:r>
               <a:rPr lang="en-US" b="1" i="0" u="none" strike="noStrike" dirty="0">
                 <a:solidFill>
@@ -10274,10 +12392,6 @@
             </a:r>
           </a:p>
           <a:p>
-            <a:pPr algn="l">
-              <a:buFont typeface="Arial" panose="020B0604020202020204" pitchFamily="34" charset="0"/>
-              <a:buChar char="•"/>
-            </a:pPr>
             <a:r>
               <a:rPr lang="en-US" b="1" i="0" u="none" strike="noStrike" dirty="0">
                 <a:solidFill>
@@ -10352,10 +12466,6 @@
             </a:r>
           </a:p>
           <a:p>
-            <a:pPr algn="l">
-              <a:buFont typeface="Arial" panose="020B0604020202020204" pitchFamily="34" charset="0"/>
-              <a:buChar char="•"/>
-            </a:pPr>
             <a:r>
               <a:rPr lang="en-US" b="1" i="0" u="none" strike="noStrike" dirty="0">
                 <a:solidFill>
@@ -10412,10 +12522,14 @@
             </a:r>
           </a:p>
           <a:p>
-            <a:pPr algn="l">
-              <a:buFont typeface="Arial" panose="020B0604020202020204" pitchFamily="34" charset="0"/>
-              <a:buChar char="•"/>
-            </a:pPr>
+            <a:endParaRPr lang="en-US" b="0" i="0" u="none" strike="noStrike" dirty="0">
+              <a:solidFill>
+                <a:srgbClr val="000000"/>
+              </a:solidFill>
+              <a:effectLst/>
+            </a:endParaRPr>
+          </a:p>
+          <a:p>
             <a:r>
               <a:rPr lang="en-US" b="1" i="0" u="none" strike="noStrike" dirty="0" err="1">
                 <a:solidFill>
@@ -10695,9 +12809,16 @@
             <p:ph type="title"/>
           </p:nvPr>
         </p:nvSpPr>
-        <p:spPr/>
-        <p:txBody>
-          <a:bodyPr/>
+        <p:spPr>
+          <a:xfrm>
+            <a:off x="269875" y="1090515"/>
+            <a:ext cx="8602280" cy="1143000"/>
+          </a:xfrm>
+        </p:spPr>
+        <p:txBody>
+          <a:bodyPr anchor="b">
+            <a:normAutofit/>
+          </a:bodyPr>
           <a:lstStyle/>
           <a:p>
             <a:r>
@@ -10715,6 +12836,54 @@
           </a:p>
         </p:txBody>
       </p:sp>
+      <p:pic>
+        <p:nvPicPr>
+          <p:cNvPr id="1026" name="Picture 2" descr="Was ist eine REST API? Definition und Erklärung - Seobility Wiki">
+            <a:extLst>
+              <a:ext uri="{FF2B5EF4-FFF2-40B4-BE49-F238E27FC236}">
+                <a16:creationId xmlns:a16="http://schemas.microsoft.com/office/drawing/2014/main" id="{37BAA3A9-F224-0A37-695B-4947042EF27C}"/>
+              </a:ext>
+            </a:extLst>
+          </p:cNvPr>
+          <p:cNvPicPr>
+            <a:picLocks noChangeAspect="1" noChangeArrowheads="1"/>
+          </p:cNvPicPr>
+          <p:nvPr/>
+        </p:nvPicPr>
+        <p:blipFill>
+          <a:blip r:embed="rId3">
+            <a:extLst>
+              <a:ext uri="{28A0092B-C50C-407E-A947-70E740481C1C}">
+                <a14:useLocalDpi xmlns:a14="http://schemas.microsoft.com/office/drawing/2010/main" val="0"/>
+              </a:ext>
+            </a:extLst>
+          </a:blip>
+          <a:stretch>
+            <a:fillRect/>
+          </a:stretch>
+        </p:blipFill>
+        <p:spPr bwMode="auto">
+          <a:xfrm>
+            <a:off x="269875" y="2567883"/>
+            <a:ext cx="4225925" cy="3190573"/>
+          </a:xfrm>
+          <a:prstGeom prst="rect">
+            <a:avLst/>
+          </a:prstGeom>
+          <a:solidFill>
+            <a:srgbClr val="FFFFFF"/>
+          </a:solidFill>
+          <a:extLst>
+            <a:ext uri="{909E8E84-426E-40DD-AFC4-6F175D3DCCD1}">
+              <a14:hiddenFill xmlns:a14="http://schemas.microsoft.com/office/drawing/2010/main">
+                <a:solidFill>
+                  <a:srgbClr val="FFFFFF"/>
+                </a:solidFill>
+              </a14:hiddenFill>
+            </a:ext>
+          </a:extLst>
+        </p:spPr>
+      </p:pic>
       <p:sp>
         <p:nvSpPr>
           <p:cNvPr id="3" name="Content Placeholder 2">
@@ -10728,31 +12897,31 @@
             <a:spLocks noGrp="1"/>
           </p:cNvSpPr>
           <p:nvPr>
-            <p:ph idx="1"/>
-          </p:nvPr>
-        </p:nvSpPr>
-        <p:spPr/>
+            <p:ph sz="half" idx="2"/>
+          </p:nvPr>
+        </p:nvSpPr>
+        <p:spPr>
+          <a:xfrm>
+            <a:off x="4648199" y="2233515"/>
+            <a:ext cx="4225925" cy="3859310"/>
+          </a:xfrm>
+        </p:spPr>
         <p:txBody>
           <a:bodyPr>
-            <a:normAutofit fontScale="85000" lnSpcReduction="20000"/>
+            <a:normAutofit/>
           </a:bodyPr>
           <a:lstStyle/>
           <a:p>
             <a:r>
-              <a:rPr lang="en-US" b="1" dirty="0" err="1"/>
+              <a:rPr lang="en-US" dirty="0" err="1"/>
               <a:t>Zustandslosigkeit</a:t>
             </a:r>
-            <a:r>
-              <a:rPr lang="en-US" b="1" dirty="0"/>
-              <a:t>:</a:t>
-            </a:r>
-            <a:r>
-              <a:rPr lang="en-US" dirty="0"/>
-              <a:t> Server </a:t>
-            </a:r>
+            <a:endParaRPr lang="en-US" dirty="0"/>
+          </a:p>
+          <a:p>
             <a:r>
               <a:rPr lang="en-US" dirty="0" err="1"/>
-              <a:t>speichert</a:t>
+              <a:t>Einheitliche</a:t>
             </a:r>
             <a:r>
               <a:rPr lang="en-US" dirty="0"/>
@@ -10760,15 +12929,21 @@
             </a:r>
             <a:r>
               <a:rPr lang="en-US" dirty="0" err="1"/>
-              <a:t>keinen</a:t>
-            </a:r>
-            <a:r>
-              <a:rPr lang="en-US" dirty="0"/>
-              <a:t> Client-</a:t>
-            </a:r>
+              <a:t>Schnittstelle</a:t>
+            </a:r>
+            <a:endParaRPr lang="en-US" dirty="0"/>
+          </a:p>
+          <a:p>
             <a:r>
               <a:rPr lang="en-US" dirty="0" err="1"/>
-              <a:t>Zustand</a:t>
+              <a:t>Cachebarkeit</a:t>
+            </a:r>
+            <a:endParaRPr lang="en-US" dirty="0"/>
+          </a:p>
+          <a:p>
+            <a:r>
+              <a:rPr lang="en-US" dirty="0" err="1"/>
+              <a:t>Mehrschichtige</a:t>
             </a:r>
             <a:r>
               <a:rPr lang="en-US" dirty="0"/>
@@ -10776,199 +12951,14 @@
             </a:r>
             <a:r>
               <a:rPr lang="en-US" dirty="0" err="1"/>
-              <a:t>zwischen</a:t>
-            </a:r>
-            <a:r>
-              <a:rPr lang="en-US" dirty="0"/>
-              <a:t> </a:t>
-            </a:r>
-            <a:r>
-              <a:rPr lang="en-US" dirty="0" err="1"/>
-              <a:t>Anfragen</a:t>
-            </a:r>
-            <a:r>
-              <a:rPr lang="en-US" dirty="0"/>
-              <a:t>.</a:t>
-            </a:r>
-          </a:p>
-          <a:p>
-            <a:r>
-              <a:rPr lang="en-US" b="1" dirty="0" err="1"/>
-              <a:t>Einheitliche</a:t>
-            </a:r>
-            <a:r>
-              <a:rPr lang="en-US" b="1" dirty="0"/>
-              <a:t> </a:t>
-            </a:r>
-            <a:r>
-              <a:rPr lang="en-US" b="1" dirty="0" err="1"/>
-              <a:t>Schnittstelle</a:t>
-            </a:r>
-            <a:r>
-              <a:rPr lang="en-US" b="1" dirty="0"/>
-              <a:t>:</a:t>
-            </a:r>
-            <a:r>
-              <a:rPr lang="en-US" dirty="0"/>
-              <a:t> </a:t>
-            </a:r>
-            <a:r>
-              <a:rPr lang="en-US" dirty="0" err="1"/>
-              <a:t>Konsistente</a:t>
-            </a:r>
-            <a:r>
-              <a:rPr lang="en-US" dirty="0"/>
-              <a:t> </a:t>
-            </a:r>
-            <a:r>
-              <a:rPr lang="en-US" dirty="0" err="1"/>
-              <a:t>Nutzung</a:t>
-            </a:r>
-            <a:r>
-              <a:rPr lang="en-US" dirty="0"/>
-              <a:t> von URIs und HTTP-</a:t>
-            </a:r>
-            <a:r>
-              <a:rPr lang="en-US" dirty="0" err="1"/>
-              <a:t>Methoden</a:t>
-            </a:r>
-            <a:r>
-              <a:rPr lang="en-US" dirty="0"/>
-              <a:t>.</a:t>
-            </a:r>
-          </a:p>
-          <a:p>
-            <a:r>
-              <a:rPr lang="en-US" b="1" dirty="0" err="1"/>
-              <a:t>Cachebarkeit</a:t>
-            </a:r>
-            <a:r>
-              <a:rPr lang="en-US" b="1" dirty="0"/>
-              <a:t>:</a:t>
-            </a:r>
-            <a:r>
-              <a:rPr lang="en-US" dirty="0"/>
-              <a:t> </a:t>
-            </a:r>
-            <a:r>
-              <a:rPr lang="en-US" dirty="0" err="1"/>
-              <a:t>Antworten</a:t>
-            </a:r>
-            <a:r>
-              <a:rPr lang="en-US" dirty="0"/>
-              <a:t> </a:t>
-            </a:r>
-            <a:r>
-              <a:rPr lang="en-US" dirty="0" err="1"/>
-              <a:t>können</a:t>
-            </a:r>
-            <a:r>
-              <a:rPr lang="en-US" dirty="0"/>
-              <a:t> </a:t>
-            </a:r>
-            <a:r>
-              <a:rPr lang="en-US" dirty="0" err="1"/>
-              <a:t>vom</a:t>
-            </a:r>
-            <a:r>
-              <a:rPr lang="en-US" dirty="0"/>
-              <a:t> Client </a:t>
-            </a:r>
-            <a:r>
-              <a:rPr lang="en-US" dirty="0" err="1"/>
-              <a:t>zwischengespeichert</a:t>
-            </a:r>
-            <a:r>
-              <a:rPr lang="en-US" dirty="0"/>
-              <a:t> </a:t>
-            </a:r>
-            <a:r>
-              <a:rPr lang="en-US" dirty="0" err="1"/>
-              <a:t>werden</a:t>
-            </a:r>
-            <a:r>
-              <a:rPr lang="en-US" dirty="0"/>
-              <a:t>.</a:t>
-            </a:r>
-          </a:p>
-          <a:p>
-            <a:r>
-              <a:rPr lang="en-US" b="1" dirty="0" err="1"/>
-              <a:t>Mehrschichtige</a:t>
-            </a:r>
-            <a:r>
-              <a:rPr lang="en-US" b="1" dirty="0"/>
-              <a:t> </a:t>
-            </a:r>
-            <a:r>
-              <a:rPr lang="en-US" b="1" dirty="0" err="1"/>
               <a:t>Architektur</a:t>
             </a:r>
-            <a:r>
-              <a:rPr lang="en-US" b="1" dirty="0"/>
-              <a:t>:</a:t>
-            </a:r>
-            <a:r>
-              <a:rPr lang="en-US" dirty="0"/>
-              <a:t> </a:t>
-            </a:r>
-            <a:r>
-              <a:rPr lang="en-US" dirty="0" err="1"/>
-              <a:t>Unterstützung</a:t>
-            </a:r>
-            <a:r>
-              <a:rPr lang="en-US" dirty="0"/>
-              <a:t> von </a:t>
-            </a:r>
-            <a:r>
-              <a:rPr lang="en-US" dirty="0" err="1"/>
-              <a:t>Skalierbarkeit</a:t>
-            </a:r>
-            <a:r>
-              <a:rPr lang="en-US" dirty="0"/>
-              <a:t> und </a:t>
-            </a:r>
-            <a:r>
-              <a:rPr lang="en-US" dirty="0" err="1"/>
-              <a:t>Flexibilität</a:t>
-            </a:r>
-            <a:r>
-              <a:rPr lang="en-US" dirty="0"/>
-              <a:t>.</a:t>
-            </a:r>
-          </a:p>
-          <a:p>
-            <a:r>
-              <a:rPr lang="en-US" b="1" dirty="0"/>
-              <a:t>Code-on-Demand (optional):</a:t>
-            </a:r>
-            <a:r>
-              <a:rPr lang="en-US" dirty="0"/>
-              <a:t> Server </a:t>
-            </a:r>
-            <a:r>
-              <a:rPr lang="en-US" dirty="0" err="1"/>
-              <a:t>kann</a:t>
-            </a:r>
-            <a:r>
-              <a:rPr lang="en-US" dirty="0"/>
-              <a:t> </a:t>
-            </a:r>
-            <a:r>
-              <a:rPr lang="en-US" dirty="0" err="1"/>
-              <a:t>ausführbaren</a:t>
-            </a:r>
-            <a:r>
-              <a:rPr lang="en-US" dirty="0"/>
-              <a:t> Code an den Client </a:t>
-            </a:r>
-            <a:r>
-              <a:rPr lang="en-US" dirty="0" err="1"/>
-              <a:t>senden</a:t>
-            </a:r>
-            <a:r>
-              <a:rPr lang="en-US" dirty="0"/>
-              <a:t>.</a:t>
+            <a:endParaRPr lang="en-US" dirty="0"/>
+          </a:p>
+          <a:p>
+            <a:r>
+              <a:rPr lang="en-US" dirty="0"/>
+              <a:t>Code-on-Demand (optional)</a:t>
             </a:r>
             <a:endParaRPr lang="de-AT" dirty="0"/>
           </a:p>
@@ -10987,14 +12977,26 @@
             <a:spLocks noGrp="1"/>
           </p:cNvSpPr>
           <p:nvPr>
-            <p:ph type="dt" sz="half" idx="2"/>
-          </p:nvPr>
-        </p:nvSpPr>
-        <p:spPr/>
-        <p:txBody>
-          <a:bodyPr/>
+            <p:ph type="dt" sz="half" idx="10"/>
+          </p:nvPr>
+        </p:nvSpPr>
+        <p:spPr>
+          <a:xfrm>
+            <a:off x="300961" y="6347890"/>
+            <a:ext cx="3208079" cy="365125"/>
+          </a:xfrm>
+        </p:spPr>
+        <p:txBody>
+          <a:bodyPr anchor="ctr">
+            <a:normAutofit/>
+          </a:bodyPr>
           <a:lstStyle/>
           <a:p>
+            <a:pPr>
+              <a:spcAft>
+                <a:spcPts val="600"/>
+              </a:spcAft>
+            </a:pPr>
             <a:r>
               <a:rPr lang="en-US"/>
               <a:t>10-12-2024 / Master JG 2024 / 1. Semester / WS 2024/25; V 5.0</a:t>
@@ -11019,11 +13021,23 @@
             <p:ph type="ftr" sz="quarter" idx="3"/>
           </p:nvPr>
         </p:nvSpPr>
-        <p:spPr/>
-        <p:txBody>
-          <a:bodyPr/>
+        <p:spPr>
+          <a:xfrm>
+            <a:off x="3509040" y="6347890"/>
+            <a:ext cx="4752528" cy="365125"/>
+          </a:xfrm>
+        </p:spPr>
+        <p:txBody>
+          <a:bodyPr anchor="ctr">
+            <a:normAutofit/>
+          </a:bodyPr>
           <a:lstStyle/>
           <a:p>
+            <a:pPr>
+              <a:spcAft>
+                <a:spcPts val="600"/>
+              </a:spcAft>
+            </a:pPr>
             <a:r>
               <a:rPr lang="de-AT"/>
               <a:t>Emanuel Neziraj; Einführung in REST APIs mit .NET und Postman</a:t>
@@ -11048,18 +13062,34 @@
             <p:ph type="sldNum" sz="quarter" idx="4"/>
           </p:nvPr>
         </p:nvSpPr>
-        <p:spPr/>
-        <p:txBody>
-          <a:bodyPr/>
+        <p:spPr>
+          <a:xfrm>
+            <a:off x="8244408" y="6356350"/>
+            <a:ext cx="627746" cy="365125"/>
+          </a:xfrm>
+        </p:spPr>
+        <p:txBody>
+          <a:bodyPr anchor="ctr">
+            <a:normAutofit/>
+          </a:bodyPr>
           <a:lstStyle/>
           <a:p>
+            <a:pPr>
+              <a:spcAft>
+                <a:spcPts val="600"/>
+              </a:spcAft>
+            </a:pPr>
             <a:r>
               <a:rPr lang="de-DE"/>
               <a:t>Folie </a:t>
             </a:r>
             <a:fld id="{E68C68F6-CEB4-C040-B3A3-CADDD499EB7C}" type="slidenum">
               <a:rPr lang="de-DE" smtClean="0"/>
-              <a:pPr/>
+              <a:pPr>
+                <a:spcAft>
+                  <a:spcPts val="600"/>
+                </a:spcAft>
+              </a:pPr>
               <a:t>6</a:t>
             </a:fld>
             <a:endParaRPr lang="de-DE"/>
@@ -11740,7 +13770,7 @@
         <p:spPr/>
         <p:txBody>
           <a:bodyPr>
-            <a:normAutofit fontScale="85000" lnSpcReduction="20000"/>
+            <a:normAutofit fontScale="92500" lnSpcReduction="10000"/>
           </a:bodyPr>
           <a:lstStyle/>
           <a:p>
@@ -11766,14 +13796,6 @@
             </a:r>
             <a:r>
               <a:rPr lang="en-US" dirty="0" err="1"/>
-              <a:t>Verwenden</a:t>
-            </a:r>
-            <a:r>
-              <a:rPr lang="en-US" dirty="0"/>
-              <a:t> Sie </a:t>
-            </a:r>
-            <a:r>
-              <a:rPr lang="en-US" dirty="0" err="1"/>
               <a:t>klare</a:t>
             </a:r>
             <a:r>
@@ -11792,10 +13814,7 @@
               <a:rPr lang="en-US" dirty="0" err="1"/>
               <a:t>Strukturen</a:t>
             </a:r>
-            <a:r>
-              <a:rPr lang="en-US" dirty="0"/>
-              <a:t>.</a:t>
-            </a:r>
+            <a:endParaRPr lang="en-US" dirty="0"/>
           </a:p>
           <a:p>
             <a:r>
@@ -11808,15 +13827,7 @@
             </a:r>
             <a:r>
               <a:rPr lang="en-US" dirty="0"/>
-              <a:t> </a:t>
-            </a:r>
-            <a:r>
-              <a:rPr lang="en-US" dirty="0" err="1"/>
-              <a:t>Implementieren</a:t>
-            </a:r>
-            <a:r>
-              <a:rPr lang="en-US" dirty="0"/>
-              <a:t> Sie API-</a:t>
+              <a:t> API-</a:t>
             </a:r>
             <a:r>
               <a:rPr lang="en-US" dirty="0" err="1"/>
@@ -11846,10 +13857,7 @@
               <a:rPr lang="en-US" dirty="0" err="1"/>
               <a:t>verwalten</a:t>
             </a:r>
-            <a:r>
-              <a:rPr lang="en-US" dirty="0"/>
-              <a:t>.</a:t>
-            </a:r>
+            <a:endParaRPr lang="en-US" dirty="0"/>
           </a:p>
           <a:p>
             <a:r>
@@ -11866,14 +13874,6 @@
             </a:r>
             <a:r>
               <a:rPr lang="en-US" dirty="0" err="1"/>
-              <a:t>Nutzen</a:t>
-            </a:r>
-            <a:r>
-              <a:rPr lang="en-US" dirty="0"/>
-              <a:t> Sie </a:t>
-            </a:r>
-            <a:r>
-              <a:rPr lang="en-US" dirty="0" err="1"/>
               <a:t>aussagekräftige</a:t>
             </a:r>
             <a:r>
@@ -11892,10 +13892,7 @@
               <a:rPr lang="en-US" dirty="0" err="1"/>
               <a:t>Fehlermeldungen</a:t>
             </a:r>
-            <a:r>
-              <a:rPr lang="en-US" dirty="0"/>
-              <a:t>.</a:t>
-            </a:r>
+            <a:endParaRPr lang="en-US" dirty="0"/>
           </a:p>
           <a:p>
             <a:r>
@@ -11908,14 +13905,6 @@
             </a:r>
             <a:r>
               <a:rPr lang="en-US" dirty="0" err="1"/>
-              <a:t>Implementieren</a:t>
-            </a:r>
-            <a:r>
-              <a:rPr lang="en-US" dirty="0"/>
-              <a:t> Sie </a:t>
-            </a:r>
-            <a:r>
-              <a:rPr lang="en-US" dirty="0" err="1"/>
               <a:t>Authentifizierung</a:t>
             </a:r>
             <a:r>
@@ -11926,10 +13915,7 @@
               <a:rPr lang="en-US" dirty="0" err="1"/>
               <a:t>Autorisierung</a:t>
             </a:r>
-            <a:r>
-              <a:rPr lang="en-US" dirty="0"/>
-              <a:t>.</a:t>
-            </a:r>
+            <a:endParaRPr lang="en-US" dirty="0"/>
           </a:p>
           <a:p>
             <a:r>
@@ -11946,22 +13932,6 @@
             </a:r>
             <a:r>
               <a:rPr lang="en-US" dirty="0" err="1"/>
-              <a:t>Stellen</a:t>
-            </a:r>
-            <a:r>
-              <a:rPr lang="en-US" dirty="0"/>
-              <a:t> Sie </a:t>
-            </a:r>
-            <a:r>
-              <a:rPr lang="en-US" dirty="0" err="1"/>
-              <a:t>eine</a:t>
-            </a:r>
-            <a:r>
-              <a:rPr lang="en-US" dirty="0"/>
-              <a:t> </a:t>
-            </a:r>
-            <a:r>
-              <a:rPr lang="en-US" dirty="0" err="1"/>
               <a:t>umfassende</a:t>
             </a:r>
             <a:r>
@@ -11971,18 +13941,6 @@
             <a:r>
               <a:rPr lang="en-US" dirty="0" err="1"/>
               <a:t>Dokumentation</a:t>
-            </a:r>
-            <a:r>
-              <a:rPr lang="en-US" dirty="0"/>
-              <a:t> </a:t>
-            </a:r>
-            <a:r>
-              <a:rPr lang="en-US" dirty="0" err="1"/>
-              <a:t>bereit</a:t>
-            </a:r>
-            <a:r>
-              <a:rPr lang="en-US" dirty="0"/>
-              <a:t>.</a:t>
             </a:r>
             <a:endParaRPr lang="de-AT" dirty="0"/>
           </a:p>

--- a/Präsentation-REST-API.pptx
+++ b/Präsentation-REST-API.pptx
@@ -2599,6 +2599,171 @@
           <a:bodyPr/>
           <a:lstStyle/>
           <a:p>
+            <a:endParaRPr lang="de-AT" dirty="0"/>
+          </a:p>
+        </p:txBody>
+      </p:sp>
+      <p:sp>
+        <p:nvSpPr>
+          <p:cNvPr id="4" name="Header Placeholder 3"/>
+          <p:cNvSpPr>
+            <a:spLocks noGrp="1"/>
+          </p:cNvSpPr>
+          <p:nvPr>
+            <p:ph type="hdr" sz="quarter"/>
+          </p:nvPr>
+        </p:nvSpPr>
+        <p:spPr/>
+        <p:txBody>
+          <a:bodyPr/>
+          <a:lstStyle/>
+          <a:p>
+            <a:pPr>
+              <a:defRPr/>
+            </a:pPr>
+            <a:r>
+              <a:rPr lang="de-DE"/>
+              <a:t>Folienkopiervorlage WS 2010/11 / JG 2009 / 3. Semester</a:t>
+            </a:r>
+          </a:p>
+        </p:txBody>
+      </p:sp>
+      <p:sp>
+        <p:nvSpPr>
+          <p:cNvPr id="5" name="Date Placeholder 4"/>
+          <p:cNvSpPr>
+            <a:spLocks noGrp="1"/>
+          </p:cNvSpPr>
+          <p:nvPr>
+            <p:ph type="dt" idx="1"/>
+          </p:nvPr>
+        </p:nvSpPr>
+        <p:spPr/>
+        <p:txBody>
+          <a:bodyPr/>
+          <a:lstStyle/>
+          <a:p>
+            <a:pPr>
+              <a:defRPr/>
+            </a:pPr>
+            <a:r>
+              <a:rPr lang="de-DE"/>
+              <a:t>04-10-2010</a:t>
+            </a:r>
+          </a:p>
+        </p:txBody>
+      </p:sp>
+      <p:sp>
+        <p:nvSpPr>
+          <p:cNvPr id="6" name="Footer Placeholder 5"/>
+          <p:cNvSpPr>
+            <a:spLocks noGrp="1"/>
+          </p:cNvSpPr>
+          <p:nvPr>
+            <p:ph type="ftr" sz="quarter" idx="4"/>
+          </p:nvPr>
+        </p:nvSpPr>
+        <p:spPr/>
+        <p:txBody>
+          <a:bodyPr/>
+          <a:lstStyle/>
+          <a:p>
+            <a:pPr>
+              <a:defRPr/>
+            </a:pPr>
+            <a:r>
+              <a:rPr lang="de-DE"/>
+              <a:t>FH-Prof. Dipl.-Ing. Werner Fritz; Foliensatz Management von F&amp;E-Projekten - Motivation - Inhalte</a:t>
+            </a:r>
+          </a:p>
+        </p:txBody>
+      </p:sp>
+      <p:sp>
+        <p:nvSpPr>
+          <p:cNvPr id="7" name="Slide Number Placeholder 6"/>
+          <p:cNvSpPr>
+            <a:spLocks noGrp="1"/>
+          </p:cNvSpPr>
+          <p:nvPr>
+            <p:ph type="sldNum" sz="quarter" idx="5"/>
+          </p:nvPr>
+        </p:nvSpPr>
+        <p:spPr/>
+        <p:txBody>
+          <a:bodyPr/>
+          <a:lstStyle/>
+          <a:p>
+            <a:pPr>
+              <a:defRPr/>
+            </a:pPr>
+            <a:fld id="{312AB231-0CC3-4271-BA74-AEFB61475580}" type="slidenum">
+              <a:rPr lang="de-DE" smtClean="0"/>
+              <a:pPr>
+                <a:defRPr/>
+              </a:pPr>
+              <a:t>8</a:t>
+            </a:fld>
+            <a:endParaRPr lang="de-DE"/>
+          </a:p>
+        </p:txBody>
+      </p:sp>
+    </p:spTree>
+    <p:extLst>
+      <p:ext uri="{BB962C8B-B14F-4D97-AF65-F5344CB8AC3E}">
+        <p14:creationId xmlns:p14="http://schemas.microsoft.com/office/powerpoint/2010/main" val="103527355"/>
+      </p:ext>
+    </p:extLst>
+  </p:cSld>
+  <p:clrMapOvr>
+    <a:masterClrMapping/>
+  </p:clrMapOvr>
+</p:notes>
+</file>
+
+<file path=ppt/notesSlides/notesSlide7.xml><?xml version="1.0" encoding="utf-8"?>
+<p:notes xmlns:a="http://schemas.openxmlformats.org/drawingml/2006/main" xmlns:r="http://schemas.openxmlformats.org/officeDocument/2006/relationships" xmlns:p="http://schemas.openxmlformats.org/presentationml/2006/main">
+  <p:cSld>
+    <p:spTree>
+      <p:nvGrpSpPr>
+        <p:cNvPr id="1" name=""/>
+        <p:cNvGrpSpPr/>
+        <p:nvPr/>
+      </p:nvGrpSpPr>
+      <p:grpSpPr>
+        <a:xfrm>
+          <a:off x="0" y="0"/>
+          <a:ext cx="0" cy="0"/>
+          <a:chOff x="0" y="0"/>
+          <a:chExt cx="0" cy="0"/>
+        </a:xfrm>
+      </p:grpSpPr>
+      <p:sp>
+        <p:nvSpPr>
+          <p:cNvPr id="2" name="Slide Image Placeholder 1"/>
+          <p:cNvSpPr>
+            <a:spLocks noGrp="1" noRot="1" noChangeAspect="1"/>
+          </p:cNvSpPr>
+          <p:nvPr>
+            <p:ph type="sldImg"/>
+          </p:nvPr>
+        </p:nvSpPr>
+        <p:spPr/>
+      </p:sp>
+      <p:sp>
+        <p:nvSpPr>
+          <p:cNvPr id="3" name="Notes Placeholder 2"/>
+          <p:cNvSpPr>
+            <a:spLocks noGrp="1"/>
+          </p:cNvSpPr>
+          <p:nvPr>
+            <p:ph type="body" idx="1"/>
+          </p:nvPr>
+        </p:nvSpPr>
+        <p:spPr/>
+        <p:txBody>
+          <a:bodyPr/>
+          <a:lstStyle/>
+          <a:p>
             <a:r>
               <a:rPr lang="en-US" b="1" dirty="0" err="1"/>
               <a:t>Konsistente</a:t>
@@ -2963,7 +3128,7 @@
 </p:notes>
 </file>
 
-<file path=ppt/notesSlides/notesSlide7.xml><?xml version="1.0" encoding="utf-8"?>
+<file path=ppt/notesSlides/notesSlide8.xml><?xml version="1.0" encoding="utf-8"?>
 <p:notes xmlns:a="http://schemas.openxmlformats.org/drawingml/2006/main" xmlns:r="http://schemas.openxmlformats.org/officeDocument/2006/relationships" xmlns:p="http://schemas.openxmlformats.org/presentationml/2006/main">
   <p:cSld>
     <p:spTree>
@@ -13541,7 +13706,7 @@
         <p:spPr>
           <a:xfrm>
             <a:off x="264979" y="4149080"/>
-            <a:ext cx="8636097" cy="1500187"/>
+            <a:ext cx="8636097" cy="1913053"/>
           </a:xfrm>
         </p:spPr>
         <p:txBody>
@@ -13596,7 +13761,37 @@
             </a:r>
           </a:p>
           <a:p>
-            <a:pPr algn="l"/>
+            <a:pPr marL="457200" indent="-457200" algn="l">
+              <a:buClr>
+                <a:schemeClr val="bg1"/>
+              </a:buClr>
+              <a:buFont typeface="Arial" panose="020B0604020202020204" pitchFamily="34" charset="0"/>
+              <a:buChar char="•"/>
+            </a:pPr>
+            <a:r>
+              <a:rPr lang="de-AT" dirty="0"/>
+              <a:t>GitHub: https://</a:t>
+            </a:r>
+            <a:r>
+              <a:rPr lang="de-AT" dirty="0" err="1"/>
+              <a:t>github.com</a:t>
+            </a:r>
+            <a:r>
+              <a:rPr lang="de-AT" dirty="0"/>
+              <a:t>/</a:t>
+            </a:r>
+            <a:r>
+              <a:rPr lang="de-AT" dirty="0" err="1"/>
+              <a:t>emanuelneziraj</a:t>
+            </a:r>
+            <a:r>
+              <a:rPr lang="de-AT" dirty="0"/>
+              <a:t>/</a:t>
+            </a:r>
+            <a:r>
+              <a:rPr lang="de-AT" dirty="0" err="1"/>
+              <a:t>techdemo-restapi.git</a:t>
+            </a:r>
             <a:endParaRPr lang="de-AT" dirty="0"/>
           </a:p>
         </p:txBody>
